--- a/workflow/블로그크롤링_workflow.pptx
+++ b/workflow/블로그크롤링_workflow.pptx
@@ -6,10 +6,11 @@
   </p:sldMasterIdLst>
   <p:sldIdLst>
     <p:sldId id="256" r:id="rId2"/>
-    <p:sldId id="257" r:id="rId3"/>
+    <p:sldId id="258" r:id="rId3"/>
+    <p:sldId id="257" r:id="rId4"/>
   </p:sldIdLst>
   <p:sldSz cx="9144000" cy="6858000" type="screen4x3"/>
-  <p:notesSz cx="6858000" cy="9144000"/>
+  <p:notesSz cx="6807200" cy="9939338"/>
   <p:defaultTextStyle>
     <a:defPPr>
       <a:defRPr lang="ko-KR"/>
@@ -290,7 +291,7 @@
             <a:fld id="{08D3C6AE-374A-45A3-A135-F822ABA0E812}" type="datetimeFigureOut">
               <a:rPr lang="ko-KR" altLang="en-US" smtClean="0"/>
               <a:pPr/>
-              <a:t>2020-05-15</a:t>
+              <a:t>2020-06-04</a:t>
             </a:fld>
             <a:endParaRPr lang="ko-KR" altLang="en-US"/>
           </a:p>
@@ -457,7 +458,7 @@
             <a:fld id="{08D3C6AE-374A-45A3-A135-F822ABA0E812}" type="datetimeFigureOut">
               <a:rPr lang="ko-KR" altLang="en-US" smtClean="0"/>
               <a:pPr/>
-              <a:t>2020-05-15</a:t>
+              <a:t>2020-06-04</a:t>
             </a:fld>
             <a:endParaRPr lang="ko-KR" altLang="en-US"/>
           </a:p>
@@ -634,7 +635,7 @@
             <a:fld id="{08D3C6AE-374A-45A3-A135-F822ABA0E812}" type="datetimeFigureOut">
               <a:rPr lang="ko-KR" altLang="en-US" smtClean="0"/>
               <a:pPr/>
-              <a:t>2020-05-15</a:t>
+              <a:t>2020-06-04</a:t>
             </a:fld>
             <a:endParaRPr lang="ko-KR" altLang="en-US"/>
           </a:p>
@@ -801,7 +802,7 @@
             <a:fld id="{08D3C6AE-374A-45A3-A135-F822ABA0E812}" type="datetimeFigureOut">
               <a:rPr lang="ko-KR" altLang="en-US" smtClean="0"/>
               <a:pPr/>
-              <a:t>2020-05-15</a:t>
+              <a:t>2020-06-04</a:t>
             </a:fld>
             <a:endParaRPr lang="ko-KR" altLang="en-US"/>
           </a:p>
@@ -1044,7 +1045,7 @@
             <a:fld id="{08D3C6AE-374A-45A3-A135-F822ABA0E812}" type="datetimeFigureOut">
               <a:rPr lang="ko-KR" altLang="en-US" smtClean="0"/>
               <a:pPr/>
-              <a:t>2020-05-15</a:t>
+              <a:t>2020-06-04</a:t>
             </a:fld>
             <a:endParaRPr lang="ko-KR" altLang="en-US"/>
           </a:p>
@@ -1329,7 +1330,7 @@
             <a:fld id="{08D3C6AE-374A-45A3-A135-F822ABA0E812}" type="datetimeFigureOut">
               <a:rPr lang="ko-KR" altLang="en-US" smtClean="0"/>
               <a:pPr/>
-              <a:t>2020-05-15</a:t>
+              <a:t>2020-06-04</a:t>
             </a:fld>
             <a:endParaRPr lang="ko-KR" altLang="en-US"/>
           </a:p>
@@ -1748,7 +1749,7 @@
             <a:fld id="{08D3C6AE-374A-45A3-A135-F822ABA0E812}" type="datetimeFigureOut">
               <a:rPr lang="ko-KR" altLang="en-US" smtClean="0"/>
               <a:pPr/>
-              <a:t>2020-05-15</a:t>
+              <a:t>2020-06-04</a:t>
             </a:fld>
             <a:endParaRPr lang="ko-KR" altLang="en-US"/>
           </a:p>
@@ -1863,7 +1864,7 @@
             <a:fld id="{08D3C6AE-374A-45A3-A135-F822ABA0E812}" type="datetimeFigureOut">
               <a:rPr lang="ko-KR" altLang="en-US" smtClean="0"/>
               <a:pPr/>
-              <a:t>2020-05-15</a:t>
+              <a:t>2020-06-04</a:t>
             </a:fld>
             <a:endParaRPr lang="ko-KR" altLang="en-US"/>
           </a:p>
@@ -1955,7 +1956,7 @@
             <a:fld id="{08D3C6AE-374A-45A3-A135-F822ABA0E812}" type="datetimeFigureOut">
               <a:rPr lang="ko-KR" altLang="en-US" smtClean="0"/>
               <a:pPr/>
-              <a:t>2020-05-15</a:t>
+              <a:t>2020-06-04</a:t>
             </a:fld>
             <a:endParaRPr lang="ko-KR" altLang="en-US"/>
           </a:p>
@@ -2229,7 +2230,7 @@
             <a:fld id="{08D3C6AE-374A-45A3-A135-F822ABA0E812}" type="datetimeFigureOut">
               <a:rPr lang="ko-KR" altLang="en-US" smtClean="0"/>
               <a:pPr/>
-              <a:t>2020-05-15</a:t>
+              <a:t>2020-06-04</a:t>
             </a:fld>
             <a:endParaRPr lang="ko-KR" altLang="en-US"/>
           </a:p>
@@ -2479,7 +2480,7 @@
             <a:fld id="{08D3C6AE-374A-45A3-A135-F822ABA0E812}" type="datetimeFigureOut">
               <a:rPr lang="ko-KR" altLang="en-US" smtClean="0"/>
               <a:pPr/>
-              <a:t>2020-05-15</a:t>
+              <a:t>2020-06-04</a:t>
             </a:fld>
             <a:endParaRPr lang="ko-KR" altLang="en-US"/>
           </a:p>
@@ -2689,7 +2690,7 @@
             <a:fld id="{08D3C6AE-374A-45A3-A135-F822ABA0E812}" type="datetimeFigureOut">
               <a:rPr lang="ko-KR" altLang="en-US" smtClean="0"/>
               <a:pPr/>
-              <a:t>2020-05-15</a:t>
+              <a:t>2020-06-04</a:t>
             </a:fld>
             <a:endParaRPr lang="ko-KR" altLang="en-US"/>
           </a:p>
@@ -3480,7 +3481,7 @@
                   <a:schemeClr val="tx1"/>
                 </a:solidFill>
               </a:rPr>
-              <a:t>Return DF</a:t>
+              <a:t>Return CSV</a:t>
             </a:r>
           </a:p>
         </p:txBody>
@@ -4054,8 +4055,8 @@
           <a:p>
             <a:pPr algn="ctr"/>
             <a:r>
-              <a:rPr lang="en-US" altLang="ko-KR" dirty="0" smtClean="0"/>
-              <a:t>4</a:t>
+              <a:rPr lang="en-US" altLang="ko-KR" smtClean="0"/>
+              <a:t>5</a:t>
             </a:r>
             <a:endParaRPr lang="ko-KR" altLang="en-US" dirty="0"/>
           </a:p>
@@ -4206,6 +4207,143 @@
           </a:p>
         </p:txBody>
       </p:sp>
+      <p:sp>
+        <p:nvSpPr>
+          <p:cNvPr id="18" name="모서리가 둥근 직사각형 17"/>
+          <p:cNvSpPr/>
+          <p:nvPr/>
+        </p:nvSpPr>
+        <p:spPr>
+          <a:xfrm>
+            <a:off x="6300192" y="1484784"/>
+            <a:ext cx="2016224" cy="720080"/>
+          </a:xfrm>
+          <a:prstGeom prst="roundRect">
+            <a:avLst/>
+          </a:prstGeom>
+          <a:solidFill>
+            <a:schemeClr val="accent4">
+              <a:lumMod val="60000"/>
+              <a:lumOff val="40000"/>
+            </a:schemeClr>
+          </a:solidFill>
+          <a:ln>
+            <a:noFill/>
+          </a:ln>
+        </p:spPr>
+        <p:style>
+          <a:lnRef idx="2">
+            <a:schemeClr val="accent1">
+              <a:shade val="50000"/>
+            </a:schemeClr>
+          </a:lnRef>
+          <a:fillRef idx="1">
+            <a:schemeClr val="accent1"/>
+          </a:fillRef>
+          <a:effectRef idx="0">
+            <a:schemeClr val="accent1"/>
+          </a:effectRef>
+          <a:fontRef idx="minor">
+            <a:schemeClr val="lt1"/>
+          </a:fontRef>
+        </p:style>
+        <p:txBody>
+          <a:bodyPr rtlCol="0" anchor="ctr"/>
+          <a:lstStyle/>
+          <a:p>
+            <a:pPr algn="ctr"/>
+            <a:r>
+              <a:rPr lang="en-US" altLang="ko-KR" sz="1400" dirty="0" smtClean="0">
+                <a:solidFill>
+                  <a:schemeClr val="tx1"/>
+                </a:solidFill>
+              </a:rPr>
+              <a:t>Heap memory </a:t>
+            </a:r>
+            <a:r>
+              <a:rPr lang="ko-KR" altLang="en-US" sz="1400" dirty="0" smtClean="0">
+                <a:solidFill>
+                  <a:schemeClr val="tx1"/>
+                </a:solidFill>
+              </a:rPr>
+              <a:t>문제로 분할저장 </a:t>
+            </a:r>
+            <a:r>
+              <a:rPr lang="en-US" altLang="ko-KR" sz="1400" dirty="0" smtClean="0">
+                <a:solidFill>
+                  <a:schemeClr val="tx1"/>
+                </a:solidFill>
+              </a:rPr>
+              <a:t>-&gt; </a:t>
+            </a:r>
+            <a:r>
+              <a:rPr lang="ko-KR" altLang="en-US" sz="1400" dirty="0" smtClean="0">
+                <a:solidFill>
+                  <a:schemeClr val="tx1"/>
+                </a:solidFill>
+              </a:rPr>
+              <a:t>통</a:t>
+            </a:r>
+            <a:r>
+              <a:rPr lang="ko-KR" altLang="en-US" sz="1400" dirty="0" smtClean="0">
+                <a:solidFill>
+                  <a:schemeClr val="tx1"/>
+                </a:solidFill>
+              </a:rPr>
+              <a:t>합</a:t>
+            </a:r>
+            <a:endParaRPr lang="ko-KR" altLang="en-US" sz="1400" dirty="0">
+              <a:solidFill>
+                <a:schemeClr val="tx1"/>
+              </a:solidFill>
+            </a:endParaRPr>
+          </a:p>
+        </p:txBody>
+      </p:sp>
+      <p:sp>
+        <p:nvSpPr>
+          <p:cNvPr id="21" name="타원 20"/>
+          <p:cNvSpPr/>
+          <p:nvPr/>
+        </p:nvSpPr>
+        <p:spPr>
+          <a:xfrm>
+            <a:off x="6084168" y="1196752"/>
+            <a:ext cx="504056" cy="504056"/>
+          </a:xfrm>
+          <a:prstGeom prst="ellipse">
+            <a:avLst/>
+          </a:prstGeom>
+        </p:spPr>
+        <p:style>
+          <a:lnRef idx="2">
+            <a:schemeClr val="accent1">
+              <a:shade val="50000"/>
+            </a:schemeClr>
+          </a:lnRef>
+          <a:fillRef idx="1">
+            <a:schemeClr val="accent1"/>
+          </a:fillRef>
+          <a:effectRef idx="0">
+            <a:schemeClr val="accent1"/>
+          </a:effectRef>
+          <a:fontRef idx="minor">
+            <a:schemeClr val="lt1"/>
+          </a:fontRef>
+        </p:style>
+        <p:txBody>
+          <a:bodyPr rtlCol="0" anchor="ctr"/>
+          <a:lstStyle/>
+          <a:p>
+            <a:pPr algn="ctr"/>
+            <a:r>
+              <a:rPr lang="en-US" altLang="ko-KR" dirty="0" smtClean="0"/>
+              <a:t>4</a:t>
+            </a:r>
+            <a:endParaRPr lang="ko-KR" altLang="en-US" dirty="0"/>
+          </a:p>
+        </p:txBody>
+      </p:sp>
     </p:spTree>
   </p:cSld>
   <p:clrMapOvr>
@@ -4215,6 +4353,547 @@
 </file>
 
 <file path=ppt/slides/slide2.xml><?xml version="1.0" encoding="utf-8"?>
+<p:sld xmlns:a="http://schemas.openxmlformats.org/drawingml/2006/main" xmlns:r="http://schemas.openxmlformats.org/officeDocument/2006/relationships" xmlns:p="http://schemas.openxmlformats.org/presentationml/2006/main">
+  <p:cSld>
+    <p:spTree>
+      <p:nvGrpSpPr>
+        <p:cNvPr id="1" name=""/>
+        <p:cNvGrpSpPr/>
+        <p:nvPr/>
+      </p:nvGrpSpPr>
+      <p:grpSpPr>
+        <a:xfrm>
+          <a:off x="0" y="0"/>
+          <a:ext cx="0" cy="0"/>
+          <a:chOff x="0" y="0"/>
+          <a:chExt cx="0" cy="0"/>
+        </a:xfrm>
+      </p:grpSpPr>
+      <p:sp>
+        <p:nvSpPr>
+          <p:cNvPr id="4" name="직사각형 3"/>
+          <p:cNvSpPr/>
+          <p:nvPr/>
+        </p:nvSpPr>
+        <p:spPr>
+          <a:xfrm>
+            <a:off x="288032" y="188640"/>
+            <a:ext cx="2376264" cy="1152128"/>
+          </a:xfrm>
+          <a:prstGeom prst="rect">
+            <a:avLst/>
+          </a:prstGeom>
+          <a:solidFill>
+            <a:schemeClr val="bg1">
+              <a:lumMod val="85000"/>
+            </a:schemeClr>
+          </a:solidFill>
+          <a:ln>
+            <a:noFill/>
+          </a:ln>
+        </p:spPr>
+        <p:style>
+          <a:lnRef idx="2">
+            <a:schemeClr val="accent1">
+              <a:shade val="50000"/>
+            </a:schemeClr>
+          </a:lnRef>
+          <a:fillRef idx="1">
+            <a:schemeClr val="accent1"/>
+          </a:fillRef>
+          <a:effectRef idx="0">
+            <a:schemeClr val="accent1"/>
+          </a:effectRef>
+          <a:fontRef idx="minor">
+            <a:schemeClr val="lt1"/>
+          </a:fontRef>
+        </p:style>
+        <p:txBody>
+          <a:bodyPr rtlCol="0" anchor="ctr"/>
+          <a:lstStyle/>
+          <a:p>
+            <a:pPr algn="ctr"/>
+            <a:r>
+              <a:rPr lang="ko-KR" altLang="en-US" sz="1600" b="1" dirty="0" err="1" smtClean="0">
+                <a:solidFill>
+                  <a:schemeClr val="tx1"/>
+                </a:solidFill>
+              </a:rPr>
+              <a:t>크롤링</a:t>
+            </a:r>
+            <a:endParaRPr lang="en-US" altLang="ko-KR" sz="1600" b="1" dirty="0" smtClean="0">
+              <a:solidFill>
+                <a:schemeClr val="tx1"/>
+              </a:solidFill>
+            </a:endParaRPr>
+          </a:p>
+          <a:p>
+            <a:pPr algn="ctr"/>
+            <a:r>
+              <a:rPr lang="ko-KR" altLang="en-US" sz="1600" dirty="0" err="1" smtClean="0">
+                <a:solidFill>
+                  <a:schemeClr val="tx1"/>
+                </a:solidFill>
+              </a:rPr>
+              <a:t>키워드별</a:t>
+            </a:r>
+            <a:r>
+              <a:rPr lang="ko-KR" altLang="en-US" sz="1600" dirty="0" smtClean="0">
+                <a:solidFill>
+                  <a:schemeClr val="tx1"/>
+                </a:solidFill>
+              </a:rPr>
+              <a:t> </a:t>
+            </a:r>
+            <a:r>
+              <a:rPr lang="en-US" altLang="ko-KR" sz="1600" dirty="0" smtClean="0">
+                <a:solidFill>
+                  <a:schemeClr val="tx1"/>
+                </a:solidFill>
+              </a:rPr>
+              <a:t>-</a:t>
+            </a:r>
+            <a:r>
+              <a:rPr lang="ko-KR" altLang="en-US" sz="1600" dirty="0" smtClean="0">
+                <a:solidFill>
+                  <a:schemeClr val="tx1"/>
+                </a:solidFill>
+              </a:rPr>
+              <a:t>매월</a:t>
+            </a:r>
+            <a:r>
+              <a:rPr lang="en-US" altLang="ko-KR" sz="1600" dirty="0" smtClean="0">
+                <a:solidFill>
+                  <a:schemeClr val="tx1"/>
+                </a:solidFill>
+              </a:rPr>
+              <a:t>,</a:t>
+            </a:r>
+            <a:r>
+              <a:rPr lang="ko-KR" altLang="en-US" sz="1600" dirty="0" smtClean="0">
+                <a:solidFill>
+                  <a:schemeClr val="tx1"/>
+                </a:solidFill>
+              </a:rPr>
+              <a:t>매년</a:t>
+            </a:r>
+            <a:endParaRPr lang="en-US" altLang="ko-KR" sz="1600" dirty="0" smtClean="0">
+              <a:solidFill>
+                <a:schemeClr val="tx1"/>
+              </a:solidFill>
+            </a:endParaRPr>
+          </a:p>
+          <a:p>
+            <a:pPr algn="ctr"/>
+            <a:r>
+              <a:rPr lang="en-US" altLang="ko-KR" sz="1600" dirty="0" smtClean="0">
+                <a:solidFill>
+                  <a:schemeClr val="tx1"/>
+                </a:solidFill>
+              </a:rPr>
+              <a:t>(1keyword </a:t>
+            </a:r>
+            <a:r>
+              <a:rPr lang="ko-KR" altLang="en-US" sz="1600" dirty="0" smtClean="0">
+                <a:solidFill>
+                  <a:schemeClr val="tx1"/>
+                </a:solidFill>
+              </a:rPr>
+              <a:t>당 </a:t>
+            </a:r>
+            <a:r>
+              <a:rPr lang="en-US" altLang="ko-KR" sz="1600" dirty="0" smtClean="0">
+                <a:solidFill>
+                  <a:schemeClr val="tx1"/>
+                </a:solidFill>
+              </a:rPr>
+              <a:t>120)</a:t>
+            </a:r>
+          </a:p>
+          <a:p>
+            <a:pPr algn="ctr"/>
+            <a:r>
+              <a:rPr lang="ko-KR" altLang="en-US" sz="1600" dirty="0" smtClean="0">
+                <a:solidFill>
+                  <a:schemeClr val="tx1"/>
+                </a:solidFill>
+              </a:rPr>
+              <a:t>최대개수 </a:t>
+            </a:r>
+            <a:r>
+              <a:rPr lang="en-US" altLang="ko-KR" sz="1600" dirty="0" smtClean="0">
+                <a:solidFill>
+                  <a:schemeClr val="tx1"/>
+                </a:solidFill>
+              </a:rPr>
+              <a:t>: 12,000</a:t>
+            </a:r>
+          </a:p>
+          <a:p>
+            <a:pPr algn="ctr"/>
+            <a:r>
+              <a:rPr lang="en-US" altLang="ko-KR" sz="1600" dirty="0" smtClean="0">
+                <a:solidFill>
+                  <a:schemeClr val="tx1"/>
+                </a:solidFill>
+              </a:rPr>
+              <a:t>Return CSV</a:t>
+            </a:r>
+          </a:p>
+        </p:txBody>
+      </p:sp>
+      <p:sp>
+        <p:nvSpPr>
+          <p:cNvPr id="5" name="타원 4"/>
+          <p:cNvSpPr/>
+          <p:nvPr/>
+        </p:nvSpPr>
+        <p:spPr>
+          <a:xfrm>
+            <a:off x="0" y="0"/>
+            <a:ext cx="504056" cy="504056"/>
+          </a:xfrm>
+          <a:prstGeom prst="ellipse">
+            <a:avLst/>
+          </a:prstGeom>
+        </p:spPr>
+        <p:style>
+          <a:lnRef idx="2">
+            <a:schemeClr val="accent1">
+              <a:shade val="50000"/>
+            </a:schemeClr>
+          </a:lnRef>
+          <a:fillRef idx="1">
+            <a:schemeClr val="accent1"/>
+          </a:fillRef>
+          <a:effectRef idx="0">
+            <a:schemeClr val="accent1"/>
+          </a:effectRef>
+          <a:fontRef idx="minor">
+            <a:schemeClr val="lt1"/>
+          </a:fontRef>
+        </p:style>
+        <p:txBody>
+          <a:bodyPr rtlCol="0" anchor="ctr"/>
+          <a:lstStyle/>
+          <a:p>
+            <a:pPr algn="ctr"/>
+            <a:r>
+              <a:rPr lang="en-US" altLang="ko-KR" dirty="0" smtClean="0"/>
+              <a:t>1</a:t>
+            </a:r>
+            <a:endParaRPr lang="ko-KR" altLang="en-US" dirty="0"/>
+          </a:p>
+        </p:txBody>
+      </p:sp>
+      <p:sp>
+        <p:nvSpPr>
+          <p:cNvPr id="6" name="타원 5"/>
+          <p:cNvSpPr/>
+          <p:nvPr/>
+        </p:nvSpPr>
+        <p:spPr>
+          <a:xfrm>
+            <a:off x="0" y="1412776"/>
+            <a:ext cx="504056" cy="504056"/>
+          </a:xfrm>
+          <a:prstGeom prst="ellipse">
+            <a:avLst/>
+          </a:prstGeom>
+          <a:solidFill>
+            <a:schemeClr val="accent1">
+              <a:lumMod val="60000"/>
+              <a:lumOff val="40000"/>
+            </a:schemeClr>
+          </a:solidFill>
+        </p:spPr>
+        <p:style>
+          <a:lnRef idx="2">
+            <a:schemeClr val="accent1">
+              <a:shade val="50000"/>
+            </a:schemeClr>
+          </a:lnRef>
+          <a:fillRef idx="1">
+            <a:schemeClr val="accent1"/>
+          </a:fillRef>
+          <a:effectRef idx="0">
+            <a:schemeClr val="accent1"/>
+          </a:effectRef>
+          <a:fontRef idx="minor">
+            <a:schemeClr val="lt1"/>
+          </a:fontRef>
+        </p:style>
+        <p:txBody>
+          <a:bodyPr rtlCol="0" anchor="ctr"/>
+          <a:lstStyle/>
+          <a:p>
+            <a:pPr algn="ctr"/>
+            <a:r>
+              <a:rPr lang="en-US" altLang="ko-KR" dirty="0" smtClean="0"/>
+              <a:t>1</a:t>
+            </a:r>
+            <a:endParaRPr lang="ko-KR" altLang="en-US" dirty="0"/>
+          </a:p>
+        </p:txBody>
+      </p:sp>
+      <p:sp>
+        <p:nvSpPr>
+          <p:cNvPr id="7" name="TextBox 6"/>
+          <p:cNvSpPr txBox="1"/>
+          <p:nvPr/>
+        </p:nvSpPr>
+        <p:spPr>
+          <a:xfrm>
+            <a:off x="395536" y="1700808"/>
+            <a:ext cx="7136890" cy="923330"/>
+          </a:xfrm>
+          <a:prstGeom prst="rect">
+            <a:avLst/>
+          </a:prstGeom>
+          <a:noFill/>
+        </p:spPr>
+        <p:txBody>
+          <a:bodyPr wrap="none" rtlCol="0">
+            <a:spAutoFit/>
+          </a:bodyPr>
+          <a:lstStyle/>
+          <a:p>
+            <a:r>
+              <a:rPr lang="ko-KR" altLang="en-US" dirty="0" smtClean="0"/>
+              <a:t>키워드에 따른 </a:t>
+            </a:r>
+            <a:r>
+              <a:rPr lang="ko-KR" altLang="en-US" dirty="0" err="1" smtClean="0"/>
+              <a:t>검색량</a:t>
+            </a:r>
+            <a:r>
+              <a:rPr lang="ko-KR" altLang="en-US" dirty="0" smtClean="0"/>
+              <a:t> </a:t>
+            </a:r>
+            <a:r>
+              <a:rPr lang="ko-KR" altLang="en-US" dirty="0" err="1" smtClean="0"/>
+              <a:t>변화량이</a:t>
+            </a:r>
+            <a:r>
+              <a:rPr lang="ko-KR" altLang="en-US" dirty="0" smtClean="0"/>
+              <a:t> 큰 편</a:t>
+            </a:r>
+            <a:r>
+              <a:rPr lang="en-US" altLang="ko-KR" dirty="0" smtClean="0"/>
+              <a:t>, </a:t>
+            </a:r>
+            <a:r>
+              <a:rPr lang="ko-KR" altLang="en-US" dirty="0" smtClean="0"/>
+              <a:t>여러 개의 </a:t>
+            </a:r>
+            <a:r>
+              <a:rPr lang="ko-KR" altLang="en-US" dirty="0" err="1" smtClean="0"/>
+              <a:t>검색어를</a:t>
+            </a:r>
+            <a:r>
+              <a:rPr lang="ko-KR" altLang="en-US" dirty="0" smtClean="0"/>
+              <a:t> 시도 후 </a:t>
+            </a:r>
+            <a:endParaRPr lang="en-US" altLang="ko-KR" dirty="0" smtClean="0"/>
+          </a:p>
+          <a:p>
+            <a:r>
+              <a:rPr lang="ko-KR" altLang="en-US" dirty="0" smtClean="0"/>
+              <a:t>최종적으로 중복을 제거하여 </a:t>
+            </a:r>
+            <a:r>
+              <a:rPr lang="ko-KR" altLang="en-US" dirty="0" err="1" smtClean="0"/>
+              <a:t>모수증대</a:t>
+            </a:r>
+            <a:endParaRPr lang="en-US" altLang="ko-KR" dirty="0" smtClean="0"/>
+          </a:p>
+          <a:p>
+            <a:r>
+              <a:rPr lang="en-US" altLang="ko-KR" dirty="0" smtClean="0"/>
+              <a:t>Ex) </a:t>
+            </a:r>
+            <a:r>
+              <a:rPr lang="ko-KR" altLang="en-US" dirty="0" err="1" smtClean="0"/>
+              <a:t>물치</a:t>
+            </a:r>
+            <a:r>
+              <a:rPr lang="ko-KR" altLang="en-US" dirty="0" smtClean="0"/>
+              <a:t> </a:t>
+            </a:r>
+            <a:r>
+              <a:rPr lang="en-US" altLang="ko-KR" dirty="0" smtClean="0"/>
+              <a:t>+</a:t>
+            </a:r>
+            <a:r>
+              <a:rPr lang="ko-KR" altLang="en-US" dirty="0" smtClean="0"/>
+              <a:t>양양 </a:t>
+            </a:r>
+            <a:r>
+              <a:rPr lang="en-US" altLang="ko-KR" dirty="0" smtClean="0"/>
+              <a:t>7</a:t>
+            </a:r>
+            <a:r>
+              <a:rPr lang="ko-KR" altLang="en-US" dirty="0" smtClean="0"/>
+              <a:t>천건</a:t>
+            </a:r>
+            <a:r>
+              <a:rPr lang="en-US" altLang="ko-KR" dirty="0" smtClean="0"/>
+              <a:t>, </a:t>
+            </a:r>
+            <a:r>
+              <a:rPr lang="ko-KR" altLang="en-US" dirty="0" err="1" smtClean="0"/>
+              <a:t>물치</a:t>
+            </a:r>
+            <a:r>
+              <a:rPr lang="ko-KR" altLang="en-US" dirty="0" smtClean="0"/>
+              <a:t> </a:t>
+            </a:r>
+            <a:r>
+              <a:rPr lang="en-US" altLang="ko-KR" dirty="0" smtClean="0"/>
+              <a:t>+</a:t>
+            </a:r>
+            <a:r>
+              <a:rPr lang="ko-KR" altLang="en-US" dirty="0" smtClean="0"/>
+              <a:t>강원도 </a:t>
+            </a:r>
+            <a:r>
+              <a:rPr lang="en-US" altLang="ko-KR" dirty="0" smtClean="0"/>
+              <a:t>5</a:t>
+            </a:r>
+            <a:r>
+              <a:rPr lang="ko-KR" altLang="en-US" dirty="0" smtClean="0"/>
+              <a:t>천건</a:t>
+            </a:r>
+            <a:endParaRPr lang="en-US" altLang="ko-KR" dirty="0" smtClean="0"/>
+          </a:p>
+        </p:txBody>
+      </p:sp>
+      <p:sp>
+        <p:nvSpPr>
+          <p:cNvPr id="9" name="오른쪽 화살표 8"/>
+          <p:cNvSpPr/>
+          <p:nvPr/>
+        </p:nvSpPr>
+        <p:spPr>
+          <a:xfrm>
+            <a:off x="2843808" y="620688"/>
+            <a:ext cx="576064" cy="432048"/>
+          </a:xfrm>
+          <a:prstGeom prst="rightArrow">
+            <a:avLst/>
+          </a:prstGeom>
+        </p:spPr>
+        <p:style>
+          <a:lnRef idx="2">
+            <a:schemeClr val="accent1">
+              <a:shade val="50000"/>
+            </a:schemeClr>
+          </a:lnRef>
+          <a:fillRef idx="1">
+            <a:schemeClr val="accent1"/>
+          </a:fillRef>
+          <a:effectRef idx="0">
+            <a:schemeClr val="accent1"/>
+          </a:effectRef>
+          <a:fontRef idx="minor">
+            <a:schemeClr val="lt1"/>
+          </a:fontRef>
+        </p:style>
+        <p:txBody>
+          <a:bodyPr rtlCol="0" anchor="ctr"/>
+          <a:lstStyle/>
+          <a:p>
+            <a:pPr algn="ctr"/>
+            <a:endParaRPr lang="ko-KR" altLang="en-US"/>
+          </a:p>
+        </p:txBody>
+      </p:sp>
+      <p:sp>
+        <p:nvSpPr>
+          <p:cNvPr id="10" name="모서리가 둥근 직사각형 9"/>
+          <p:cNvSpPr/>
+          <p:nvPr/>
+        </p:nvSpPr>
+        <p:spPr>
+          <a:xfrm>
+            <a:off x="3563888" y="332656"/>
+            <a:ext cx="1728192" cy="1008112"/>
+          </a:xfrm>
+          <a:prstGeom prst="roundRect">
+            <a:avLst/>
+          </a:prstGeom>
+          <a:solidFill>
+            <a:schemeClr val="accent4">
+              <a:lumMod val="60000"/>
+              <a:lumOff val="40000"/>
+            </a:schemeClr>
+          </a:solidFill>
+          <a:ln>
+            <a:noFill/>
+          </a:ln>
+        </p:spPr>
+        <p:style>
+          <a:lnRef idx="2">
+            <a:schemeClr val="accent1">
+              <a:shade val="50000"/>
+            </a:schemeClr>
+          </a:lnRef>
+          <a:fillRef idx="1">
+            <a:schemeClr val="accent1"/>
+          </a:fillRef>
+          <a:effectRef idx="0">
+            <a:schemeClr val="accent1"/>
+          </a:effectRef>
+          <a:fontRef idx="minor">
+            <a:schemeClr val="lt1"/>
+          </a:fontRef>
+        </p:style>
+        <p:txBody>
+          <a:bodyPr rtlCol="0" anchor="ctr"/>
+          <a:lstStyle/>
+          <a:p>
+            <a:pPr algn="ctr"/>
+            <a:r>
+              <a:rPr lang="ko-KR" altLang="en-US" sz="1400" dirty="0" smtClean="0">
+                <a:solidFill>
+                  <a:schemeClr val="tx1"/>
+                </a:solidFill>
+              </a:rPr>
+              <a:t>검색된 </a:t>
+            </a:r>
+            <a:r>
+              <a:rPr lang="ko-KR" altLang="en-US" sz="1400" dirty="0" err="1" smtClean="0">
+                <a:solidFill>
+                  <a:schemeClr val="tx1"/>
+                </a:solidFill>
+              </a:rPr>
+              <a:t>블로그</a:t>
+            </a:r>
+            <a:r>
+              <a:rPr lang="ko-KR" altLang="en-US" sz="1400" dirty="0" smtClean="0">
+                <a:solidFill>
+                  <a:schemeClr val="tx1"/>
+                </a:solidFill>
+              </a:rPr>
+              <a:t> 수가 적을 때 넘어가는 방안 구상</a:t>
+            </a:r>
+            <a:endParaRPr lang="ko-KR" altLang="en-US" sz="1400" dirty="0">
+              <a:solidFill>
+                <a:schemeClr val="tx1"/>
+              </a:solidFill>
+            </a:endParaRPr>
+          </a:p>
+        </p:txBody>
+      </p:sp>
+    </p:spTree>
+  </p:cSld>
+  <p:clrMapOvr>
+    <a:masterClrMapping/>
+  </p:clrMapOvr>
+</p:sld>
+</file>
+
+<file path=ppt/slides/slide3.xml><?xml version="1.0" encoding="utf-8"?>
 <p:sld xmlns:a="http://schemas.openxmlformats.org/drawingml/2006/main" xmlns:r="http://schemas.openxmlformats.org/officeDocument/2006/relationships" xmlns:p="http://schemas.openxmlformats.org/presentationml/2006/main">
   <p:cSld>
     <p:spTree>
@@ -4367,6 +5046,12 @@
           <a:prstGeom prst="ellipse">
             <a:avLst/>
           </a:prstGeom>
+          <a:solidFill>
+            <a:schemeClr val="accent1">
+              <a:lumMod val="60000"/>
+              <a:lumOff val="40000"/>
+            </a:schemeClr>
+          </a:solidFill>
         </p:spPr>
         <p:style>
           <a:lnRef idx="2">
@@ -4504,6 +5189,12 @@
           <a:prstGeom prst="ellipse">
             <a:avLst/>
           </a:prstGeom>
+          <a:solidFill>
+            <a:schemeClr val="accent1">
+              <a:lumMod val="60000"/>
+              <a:lumOff val="40000"/>
+            </a:schemeClr>
+          </a:solidFill>
         </p:spPr>
         <p:style>
           <a:lnRef idx="2">
@@ -4804,6 +5495,50 @@
             <a:r>
               <a:rPr lang="en-US" altLang="ko-KR" smtClean="0"/>
               <a:t>?!</a:t>
+            </a:r>
+            <a:endParaRPr lang="ko-KR" altLang="en-US" dirty="0"/>
+          </a:p>
+        </p:txBody>
+      </p:sp>
+      <p:sp>
+        <p:nvSpPr>
+          <p:cNvPr id="14" name="타원 13"/>
+          <p:cNvSpPr/>
+          <p:nvPr/>
+        </p:nvSpPr>
+        <p:spPr>
+          <a:xfrm>
+            <a:off x="0" y="0"/>
+            <a:ext cx="504056" cy="504056"/>
+          </a:xfrm>
+          <a:prstGeom prst="ellipse">
+            <a:avLst/>
+          </a:prstGeom>
+        </p:spPr>
+        <p:style>
+          <a:lnRef idx="2">
+            <a:schemeClr val="accent1">
+              <a:shade val="50000"/>
+            </a:schemeClr>
+          </a:lnRef>
+          <a:fillRef idx="1">
+            <a:schemeClr val="accent1"/>
+          </a:fillRef>
+          <a:effectRef idx="0">
+            <a:schemeClr val="accent1"/>
+          </a:effectRef>
+          <a:fontRef idx="minor">
+            <a:schemeClr val="lt1"/>
+          </a:fontRef>
+        </p:style>
+        <p:txBody>
+          <a:bodyPr rtlCol="0" anchor="ctr"/>
+          <a:lstStyle/>
+          <a:p>
+            <a:pPr algn="ctr"/>
+            <a:r>
+              <a:rPr lang="en-US" altLang="ko-KR" dirty="0" smtClean="0"/>
+              <a:t>3</a:t>
             </a:r>
             <a:endParaRPr lang="ko-KR" altLang="en-US" dirty="0"/>
           </a:p>

--- a/workflow/블로그크롤링_workflow.pptx
+++ b/workflow/블로그크롤링_workflow.pptx
@@ -291,7 +291,7 @@
             <a:fld id="{08D3C6AE-374A-45A3-A135-F822ABA0E812}" type="datetimeFigureOut">
               <a:rPr lang="ko-KR" altLang="en-US" smtClean="0"/>
               <a:pPr/>
-              <a:t>2020-06-04</a:t>
+              <a:t>2020-06-09</a:t>
             </a:fld>
             <a:endParaRPr lang="ko-KR" altLang="en-US"/>
           </a:p>
@@ -458,7 +458,7 @@
             <a:fld id="{08D3C6AE-374A-45A3-A135-F822ABA0E812}" type="datetimeFigureOut">
               <a:rPr lang="ko-KR" altLang="en-US" smtClean="0"/>
               <a:pPr/>
-              <a:t>2020-06-04</a:t>
+              <a:t>2020-06-09</a:t>
             </a:fld>
             <a:endParaRPr lang="ko-KR" altLang="en-US"/>
           </a:p>
@@ -635,7 +635,7 @@
             <a:fld id="{08D3C6AE-374A-45A3-A135-F822ABA0E812}" type="datetimeFigureOut">
               <a:rPr lang="ko-KR" altLang="en-US" smtClean="0"/>
               <a:pPr/>
-              <a:t>2020-06-04</a:t>
+              <a:t>2020-06-09</a:t>
             </a:fld>
             <a:endParaRPr lang="ko-KR" altLang="en-US"/>
           </a:p>
@@ -802,7 +802,7 @@
             <a:fld id="{08D3C6AE-374A-45A3-A135-F822ABA0E812}" type="datetimeFigureOut">
               <a:rPr lang="ko-KR" altLang="en-US" smtClean="0"/>
               <a:pPr/>
-              <a:t>2020-06-04</a:t>
+              <a:t>2020-06-09</a:t>
             </a:fld>
             <a:endParaRPr lang="ko-KR" altLang="en-US"/>
           </a:p>
@@ -1045,7 +1045,7 @@
             <a:fld id="{08D3C6AE-374A-45A3-A135-F822ABA0E812}" type="datetimeFigureOut">
               <a:rPr lang="ko-KR" altLang="en-US" smtClean="0"/>
               <a:pPr/>
-              <a:t>2020-06-04</a:t>
+              <a:t>2020-06-09</a:t>
             </a:fld>
             <a:endParaRPr lang="ko-KR" altLang="en-US"/>
           </a:p>
@@ -1330,7 +1330,7 @@
             <a:fld id="{08D3C6AE-374A-45A3-A135-F822ABA0E812}" type="datetimeFigureOut">
               <a:rPr lang="ko-KR" altLang="en-US" smtClean="0"/>
               <a:pPr/>
-              <a:t>2020-06-04</a:t>
+              <a:t>2020-06-09</a:t>
             </a:fld>
             <a:endParaRPr lang="ko-KR" altLang="en-US"/>
           </a:p>
@@ -1749,7 +1749,7 @@
             <a:fld id="{08D3C6AE-374A-45A3-A135-F822ABA0E812}" type="datetimeFigureOut">
               <a:rPr lang="ko-KR" altLang="en-US" smtClean="0"/>
               <a:pPr/>
-              <a:t>2020-06-04</a:t>
+              <a:t>2020-06-09</a:t>
             </a:fld>
             <a:endParaRPr lang="ko-KR" altLang="en-US"/>
           </a:p>
@@ -1864,7 +1864,7 @@
             <a:fld id="{08D3C6AE-374A-45A3-A135-F822ABA0E812}" type="datetimeFigureOut">
               <a:rPr lang="ko-KR" altLang="en-US" smtClean="0"/>
               <a:pPr/>
-              <a:t>2020-06-04</a:t>
+              <a:t>2020-06-09</a:t>
             </a:fld>
             <a:endParaRPr lang="ko-KR" altLang="en-US"/>
           </a:p>
@@ -1956,7 +1956,7 @@
             <a:fld id="{08D3C6AE-374A-45A3-A135-F822ABA0E812}" type="datetimeFigureOut">
               <a:rPr lang="ko-KR" altLang="en-US" smtClean="0"/>
               <a:pPr/>
-              <a:t>2020-06-04</a:t>
+              <a:t>2020-06-09</a:t>
             </a:fld>
             <a:endParaRPr lang="ko-KR" altLang="en-US"/>
           </a:p>
@@ -2230,7 +2230,7 @@
             <a:fld id="{08D3C6AE-374A-45A3-A135-F822ABA0E812}" type="datetimeFigureOut">
               <a:rPr lang="ko-KR" altLang="en-US" smtClean="0"/>
               <a:pPr/>
-              <a:t>2020-06-04</a:t>
+              <a:t>2020-06-09</a:t>
             </a:fld>
             <a:endParaRPr lang="ko-KR" altLang="en-US"/>
           </a:p>
@@ -2480,7 +2480,7 @@
             <a:fld id="{08D3C6AE-374A-45A3-A135-F822ABA0E812}" type="datetimeFigureOut">
               <a:rPr lang="ko-KR" altLang="en-US" smtClean="0"/>
               <a:pPr/>
-              <a:t>2020-06-04</a:t>
+              <a:t>2020-06-09</a:t>
             </a:fld>
             <a:endParaRPr lang="ko-KR" altLang="en-US"/>
           </a:p>
@@ -2690,7 +2690,7 @@
             <a:fld id="{08D3C6AE-374A-45A3-A135-F822ABA0E812}" type="datetimeFigureOut">
               <a:rPr lang="ko-KR" altLang="en-US" smtClean="0"/>
               <a:pPr/>
-              <a:t>2020-06-04</a:t>
+              <a:t>2020-06-09</a:t>
             </a:fld>
             <a:endParaRPr lang="ko-KR" altLang="en-US"/>
           </a:p>
@@ -3205,25 +3205,6 @@
           <a:p>
             <a:pPr algn="ctr"/>
             <a:r>
-              <a:rPr lang="ko-KR" altLang="en-US" sz="1600" dirty="0" smtClean="0">
-                <a:solidFill>
-                  <a:schemeClr val="tx1"/>
-                </a:solidFill>
-              </a:rPr>
-              <a:t>최대개수 </a:t>
-            </a:r>
-            <a:r>
-              <a:rPr lang="en-US" altLang="ko-KR" sz="1600" dirty="0" smtClean="0">
-                <a:solidFill>
-                  <a:schemeClr val="tx1"/>
-                </a:solidFill>
-              </a:rPr>
-              <a:t>: 12,000</a:t>
-            </a:r>
-          </a:p>
-          <a:p>
-            <a:pPr algn="ctr"/>
-            <a:r>
               <a:rPr lang="en-US" altLang="ko-KR" sz="1600" dirty="0" smtClean="0">
                 <a:solidFill>
                   <a:schemeClr val="tx1"/>
@@ -3279,28 +3260,12 @@
           <a:p>
             <a:pPr algn="ctr"/>
             <a:r>
-              <a:rPr lang="ko-KR" altLang="en-US" sz="1600" b="1" dirty="0" err="1" smtClean="0">
-                <a:solidFill>
-                  <a:schemeClr val="tx1"/>
-                </a:solidFill>
-              </a:rPr>
-              <a:t>크롤링결과</a:t>
-            </a:r>
-            <a:r>
-              <a:rPr lang="ko-KR" altLang="en-US" sz="1600" b="1" dirty="0" smtClean="0">
-                <a:solidFill>
-                  <a:schemeClr val="tx1"/>
-                </a:solidFill>
-              </a:rPr>
-              <a:t> </a:t>
-            </a:r>
-            <a:r>
               <a:rPr lang="en-US" altLang="ko-KR" sz="1600" b="1" dirty="0" smtClean="0">
                 <a:solidFill>
                   <a:schemeClr val="tx1"/>
                 </a:solidFill>
               </a:rPr>
-              <a:t>merge</a:t>
+              <a:t>Merge, Filtering</a:t>
             </a:r>
           </a:p>
           <a:p>
@@ -3321,14 +3286,6 @@
               </a:rPr>
               <a:t>개 파일 </a:t>
             </a:r>
-            <a:endParaRPr lang="en-US" altLang="ko-KR" sz="1600" dirty="0">
-              <a:solidFill>
-                <a:schemeClr val="tx1"/>
-              </a:solidFill>
-            </a:endParaRPr>
-          </a:p>
-          <a:p>
-            <a:pPr algn="ctr"/>
             <a:r>
               <a:rPr lang="en-US" altLang="ko-KR" sz="1600" dirty="0" smtClean="0">
                 <a:solidFill>
@@ -3350,6 +3307,17 @@
                 <a:schemeClr val="tx1"/>
               </a:solidFill>
             </a:endParaRPr>
+          </a:p>
+          <a:p>
+            <a:pPr algn="ctr"/>
+            <a:r>
+              <a:rPr lang="en-US" altLang="ko-KR" sz="1600" dirty="0" smtClean="0">
+                <a:solidFill>
+                  <a:schemeClr val="tx1"/>
+                </a:solidFill>
+              </a:rPr>
+              <a:t>Filtering</a:t>
+            </a:r>
           </a:p>
           <a:p>
             <a:pPr algn="ctr"/>
@@ -3668,8 +3636,8 @@
           <p:nvPr/>
         </p:nvSpPr>
         <p:spPr>
-          <a:xfrm rot="5400000">
-            <a:off x="5076056" y="3140968"/>
+          <a:xfrm rot="1857727">
+            <a:off x="4977434" y="3211064"/>
             <a:ext cx="432048" cy="576064"/>
           </a:xfrm>
           <a:prstGeom prst="rightArrow">
@@ -4013,50 +3981,6 @@
             <a:r>
               <a:rPr lang="en-US" altLang="ko-KR" dirty="0" smtClean="0"/>
               <a:t>3</a:t>
-            </a:r>
-            <a:endParaRPr lang="ko-KR" altLang="en-US" dirty="0"/>
-          </a:p>
-        </p:txBody>
-      </p:sp>
-      <p:sp>
-        <p:nvSpPr>
-          <p:cNvPr id="19" name="타원 18"/>
-          <p:cNvSpPr/>
-          <p:nvPr/>
-        </p:nvSpPr>
-        <p:spPr>
-          <a:xfrm>
-            <a:off x="5004048" y="4509120"/>
-            <a:ext cx="504056" cy="504056"/>
-          </a:xfrm>
-          <a:prstGeom prst="ellipse">
-            <a:avLst/>
-          </a:prstGeom>
-        </p:spPr>
-        <p:style>
-          <a:lnRef idx="2">
-            <a:schemeClr val="accent1">
-              <a:shade val="50000"/>
-            </a:schemeClr>
-          </a:lnRef>
-          <a:fillRef idx="1">
-            <a:schemeClr val="accent1"/>
-          </a:fillRef>
-          <a:effectRef idx="0">
-            <a:schemeClr val="accent1"/>
-          </a:effectRef>
-          <a:fontRef idx="minor">
-            <a:schemeClr val="lt1"/>
-          </a:fontRef>
-        </p:style>
-        <p:txBody>
-          <a:bodyPr rtlCol="0" anchor="ctr"/>
-          <a:lstStyle/>
-          <a:p>
-            <a:pPr algn="ctr"/>
-            <a:r>
-              <a:rPr lang="en-US" altLang="ko-KR" smtClean="0"/>
-              <a:t>5</a:t>
             </a:r>
             <a:endParaRPr lang="ko-KR" altLang="en-US" dirty="0"/>
           </a:p>
@@ -4215,8 +4139,8 @@
         </p:nvSpPr>
         <p:spPr>
           <a:xfrm>
-            <a:off x="6300192" y="1484784"/>
-            <a:ext cx="2016224" cy="720080"/>
+            <a:off x="5940152" y="3356992"/>
+            <a:ext cx="2016224" cy="1296144"/>
           </a:xfrm>
           <a:prstGeom prst="roundRect">
             <a:avLst/>
@@ -4282,22 +4206,38 @@
                   <a:schemeClr val="tx1"/>
                 </a:solidFill>
               </a:rPr>
-              <a:t>통</a:t>
-            </a:r>
-            <a:r>
-              <a:rPr lang="ko-KR" altLang="en-US" sz="1400" dirty="0" smtClean="0">
-                <a:solidFill>
-                  <a:schemeClr val="tx1"/>
-                </a:solidFill>
-              </a:rPr>
-              <a:t>합</a:t>
-            </a:r>
-            <a:endParaRPr lang="ko-KR" altLang="en-US" sz="1400" dirty="0">
+              <a:t>통합</a:t>
+            </a:r>
+            <a:endParaRPr lang="en-US" altLang="ko-KR" sz="1400" dirty="0" smtClean="0">
               <a:solidFill>
                 <a:schemeClr val="tx1"/>
               </a:solidFill>
             </a:endParaRPr>
           </a:p>
+          <a:p>
+            <a:pPr algn="ctr"/>
+            <a:r>
+              <a:rPr lang="ko-KR" altLang="en-US" sz="1400" dirty="0" err="1" smtClean="0">
+                <a:solidFill>
+                  <a:schemeClr val="tx1"/>
+                </a:solidFill>
+              </a:rPr>
+              <a:t>검색어별</a:t>
+            </a:r>
+            <a:r>
+              <a:rPr lang="ko-KR" altLang="en-US" sz="1400" dirty="0" smtClean="0">
+                <a:solidFill>
+                  <a:schemeClr val="tx1"/>
+                </a:solidFill>
+              </a:rPr>
+              <a:t> 데이터 마을로 통합</a:t>
+            </a:r>
+            <a:endParaRPr lang="en-US" altLang="ko-KR" sz="1400" dirty="0" smtClean="0">
+              <a:solidFill>
+                <a:schemeClr val="tx1"/>
+              </a:solidFill>
+            </a:endParaRPr>
+          </a:p>
         </p:txBody>
       </p:sp>
       <p:sp>
@@ -4308,7 +4248,7 @@
         </p:nvSpPr>
         <p:spPr>
           <a:xfrm>
-            <a:off x="6084168" y="1196752"/>
+            <a:off x="5724128" y="3068960"/>
             <a:ext cx="504056" cy="504056"/>
           </a:xfrm>
           <a:prstGeom prst="ellipse">
@@ -4341,6 +4281,182 @@
               <a:t>4</a:t>
             </a:r>
             <a:endParaRPr lang="ko-KR" altLang="en-US" dirty="0"/>
+          </a:p>
+        </p:txBody>
+      </p:sp>
+      <p:sp>
+        <p:nvSpPr>
+          <p:cNvPr id="22" name="타원 21"/>
+          <p:cNvSpPr/>
+          <p:nvPr/>
+        </p:nvSpPr>
+        <p:spPr>
+          <a:xfrm>
+            <a:off x="2195736" y="5157192"/>
+            <a:ext cx="504056" cy="504056"/>
+          </a:xfrm>
+          <a:prstGeom prst="ellipse">
+            <a:avLst/>
+          </a:prstGeom>
+        </p:spPr>
+        <p:style>
+          <a:lnRef idx="2">
+            <a:schemeClr val="accent1">
+              <a:shade val="50000"/>
+            </a:schemeClr>
+          </a:lnRef>
+          <a:fillRef idx="1">
+            <a:schemeClr val="accent1"/>
+          </a:fillRef>
+          <a:effectRef idx="0">
+            <a:schemeClr val="accent1"/>
+          </a:effectRef>
+          <a:fontRef idx="minor">
+            <a:schemeClr val="lt1"/>
+          </a:fontRef>
+        </p:style>
+        <p:txBody>
+          <a:bodyPr rtlCol="0" anchor="ctr"/>
+          <a:lstStyle/>
+          <a:p>
+            <a:pPr algn="ctr"/>
+            <a:r>
+              <a:rPr lang="en-US" altLang="ko-KR" smtClean="0"/>
+              <a:t>5</a:t>
+            </a:r>
+            <a:endParaRPr lang="ko-KR" altLang="en-US" dirty="0"/>
+          </a:p>
+        </p:txBody>
+      </p:sp>
+      <p:sp>
+        <p:nvSpPr>
+          <p:cNvPr id="23" name="타원 22"/>
+          <p:cNvSpPr/>
+          <p:nvPr/>
+        </p:nvSpPr>
+        <p:spPr>
+          <a:xfrm>
+            <a:off x="4283968" y="5157192"/>
+            <a:ext cx="504056" cy="504056"/>
+          </a:xfrm>
+          <a:prstGeom prst="ellipse">
+            <a:avLst/>
+          </a:prstGeom>
+        </p:spPr>
+        <p:style>
+          <a:lnRef idx="2">
+            <a:schemeClr val="accent1">
+              <a:shade val="50000"/>
+            </a:schemeClr>
+          </a:lnRef>
+          <a:fillRef idx="1">
+            <a:schemeClr val="accent1"/>
+          </a:fillRef>
+          <a:effectRef idx="0">
+            <a:schemeClr val="accent1"/>
+          </a:effectRef>
+          <a:fontRef idx="minor">
+            <a:schemeClr val="lt1"/>
+          </a:fontRef>
+        </p:style>
+        <p:txBody>
+          <a:bodyPr rtlCol="0" anchor="ctr"/>
+          <a:lstStyle/>
+          <a:p>
+            <a:pPr algn="ctr"/>
+            <a:r>
+              <a:rPr lang="en-US" altLang="ko-KR" smtClean="0"/>
+              <a:t>5</a:t>
+            </a:r>
+            <a:endParaRPr lang="ko-KR" altLang="en-US" dirty="0"/>
+          </a:p>
+        </p:txBody>
+      </p:sp>
+      <p:sp>
+        <p:nvSpPr>
+          <p:cNvPr id="24" name="타원 23"/>
+          <p:cNvSpPr/>
+          <p:nvPr/>
+        </p:nvSpPr>
+        <p:spPr>
+          <a:xfrm>
+            <a:off x="6516216" y="5157192"/>
+            <a:ext cx="504056" cy="504056"/>
+          </a:xfrm>
+          <a:prstGeom prst="ellipse">
+            <a:avLst/>
+          </a:prstGeom>
+        </p:spPr>
+        <p:style>
+          <a:lnRef idx="2">
+            <a:schemeClr val="accent1">
+              <a:shade val="50000"/>
+            </a:schemeClr>
+          </a:lnRef>
+          <a:fillRef idx="1">
+            <a:schemeClr val="accent1"/>
+          </a:fillRef>
+          <a:effectRef idx="0">
+            <a:schemeClr val="accent1"/>
+          </a:effectRef>
+          <a:fontRef idx="minor">
+            <a:schemeClr val="lt1"/>
+          </a:fontRef>
+        </p:style>
+        <p:txBody>
+          <a:bodyPr rtlCol="0" anchor="ctr"/>
+          <a:lstStyle/>
+          <a:p>
+            <a:pPr algn="ctr"/>
+            <a:r>
+              <a:rPr lang="en-US" altLang="ko-KR" smtClean="0"/>
+              <a:t>5</a:t>
+            </a:r>
+            <a:endParaRPr lang="ko-KR" altLang="en-US" dirty="0"/>
+          </a:p>
+        </p:txBody>
+      </p:sp>
+      <p:sp>
+        <p:nvSpPr>
+          <p:cNvPr id="27" name="폭발 1 26"/>
+          <p:cNvSpPr/>
+          <p:nvPr/>
+        </p:nvSpPr>
+        <p:spPr>
+          <a:xfrm>
+            <a:off x="7164288" y="2564904"/>
+            <a:ext cx="1800200" cy="1296144"/>
+          </a:xfrm>
+          <a:prstGeom prst="irregularSeal1">
+            <a:avLst/>
+          </a:prstGeom>
+        </p:spPr>
+        <p:style>
+          <a:lnRef idx="2">
+            <a:schemeClr val="accent1">
+              <a:shade val="50000"/>
+            </a:schemeClr>
+          </a:lnRef>
+          <a:fillRef idx="1">
+            <a:schemeClr val="accent1"/>
+          </a:fillRef>
+          <a:effectRef idx="0">
+            <a:schemeClr val="accent1"/>
+          </a:effectRef>
+          <a:fontRef idx="minor">
+            <a:schemeClr val="lt1"/>
+          </a:fontRef>
+        </p:style>
+        <p:txBody>
+          <a:bodyPr rtlCol="0" anchor="ctr"/>
+          <a:lstStyle/>
+          <a:p>
+            <a:pPr algn="ctr"/>
+            <a:r>
+              <a:rPr lang="en-US" altLang="ko-KR" sz="1600" dirty="0" smtClean="0"/>
+              <a:t>Filtering </a:t>
+            </a:r>
+            <a:endParaRPr lang="ko-KR" altLang="en-US" sz="1600" dirty="0"/>
           </a:p>
         </p:txBody>
       </p:sp>
@@ -5385,7 +5501,7 @@
         <p:spPr>
           <a:xfrm>
             <a:off x="1331640" y="3356992"/>
-            <a:ext cx="4907497" cy="369332"/>
+            <a:ext cx="5263044" cy="646331"/>
           </a:xfrm>
           <a:prstGeom prst="rect">
             <a:avLst/>
@@ -5408,19 +5524,38 @@
             </a:r>
             <a:r>
               <a:rPr lang="ko-KR" altLang="en-US" dirty="0" smtClean="0"/>
-              <a:t>발생 </a:t>
+              <a:t>발생</a:t>
+            </a:r>
+            <a:endParaRPr lang="en-US" altLang="ko-KR" dirty="0" smtClean="0"/>
+          </a:p>
+          <a:p>
+            <a:r>
+              <a:rPr lang="ko-KR" altLang="en-US" dirty="0" smtClean="0"/>
+              <a:t>기본 </a:t>
             </a:r>
             <a:r>
               <a:rPr lang="en-US" altLang="ko-KR" dirty="0" smtClean="0"/>
-              <a:t>(</a:t>
-            </a:r>
-            <a:r>
-              <a:rPr lang="ko-KR" altLang="en-US" dirty="0" err="1" smtClean="0"/>
-              <a:t>아직해결불가</a:t>
-            </a:r>
-            <a:r>
-              <a:rPr lang="en-US" altLang="ko-KR" dirty="0" smtClean="0"/>
-              <a:t>)</a:t>
+              <a:t>memory 4GB</a:t>
+            </a:r>
+            <a:r>
+              <a:rPr lang="ko-KR" altLang="en-US" dirty="0" smtClean="0"/>
+              <a:t>로 확장 후 </a:t>
+            </a:r>
+            <a:r>
+              <a:rPr lang="en-US" altLang="ko-KR" dirty="0" err="1" smtClean="0"/>
+              <a:t>iter</a:t>
+            </a:r>
+            <a:r>
+              <a:rPr lang="ko-KR" altLang="en-US" dirty="0" smtClean="0"/>
+              <a:t>마다 </a:t>
+            </a:r>
+            <a:r>
+              <a:rPr lang="en-US" altLang="ko-KR" dirty="0" err="1" smtClean="0"/>
+              <a:t>gc</a:t>
+            </a:r>
+            <a:r>
+              <a:rPr lang="ko-KR" altLang="en-US" dirty="0" smtClean="0"/>
+              <a:t> 초기화 </a:t>
             </a:r>
             <a:endParaRPr lang="ko-KR" altLang="en-US" dirty="0"/>
           </a:p>

--- a/workflow/블로그크롤링_workflow.pptx
+++ b/workflow/블로그크롤링_workflow.pptx
@@ -5,7 +5,7 @@
     <p:sldMasterId id="2147483648" r:id="rId1"/>
   </p:sldMasterIdLst>
   <p:sldIdLst>
-    <p:sldId id="256" r:id="rId2"/>
+    <p:sldId id="259" r:id="rId2"/>
     <p:sldId id="258" r:id="rId3"/>
     <p:sldId id="257" r:id="rId4"/>
   </p:sldIdLst>
@@ -291,7 +291,7 @@
             <a:fld id="{08D3C6AE-374A-45A3-A135-F822ABA0E812}" type="datetimeFigureOut">
               <a:rPr lang="ko-KR" altLang="en-US" smtClean="0"/>
               <a:pPr/>
-              <a:t>2020-06-09</a:t>
+              <a:t>2020-06-17</a:t>
             </a:fld>
             <a:endParaRPr lang="ko-KR" altLang="en-US"/>
           </a:p>
@@ -458,7 +458,7 @@
             <a:fld id="{08D3C6AE-374A-45A3-A135-F822ABA0E812}" type="datetimeFigureOut">
               <a:rPr lang="ko-KR" altLang="en-US" smtClean="0"/>
               <a:pPr/>
-              <a:t>2020-06-09</a:t>
+              <a:t>2020-06-17</a:t>
             </a:fld>
             <a:endParaRPr lang="ko-KR" altLang="en-US"/>
           </a:p>
@@ -635,7 +635,7 @@
             <a:fld id="{08D3C6AE-374A-45A3-A135-F822ABA0E812}" type="datetimeFigureOut">
               <a:rPr lang="ko-KR" altLang="en-US" smtClean="0"/>
               <a:pPr/>
-              <a:t>2020-06-09</a:t>
+              <a:t>2020-06-17</a:t>
             </a:fld>
             <a:endParaRPr lang="ko-KR" altLang="en-US"/>
           </a:p>
@@ -802,7 +802,7 @@
             <a:fld id="{08D3C6AE-374A-45A3-A135-F822ABA0E812}" type="datetimeFigureOut">
               <a:rPr lang="ko-KR" altLang="en-US" smtClean="0"/>
               <a:pPr/>
-              <a:t>2020-06-09</a:t>
+              <a:t>2020-06-17</a:t>
             </a:fld>
             <a:endParaRPr lang="ko-KR" altLang="en-US"/>
           </a:p>
@@ -1045,7 +1045,7 @@
             <a:fld id="{08D3C6AE-374A-45A3-A135-F822ABA0E812}" type="datetimeFigureOut">
               <a:rPr lang="ko-KR" altLang="en-US" smtClean="0"/>
               <a:pPr/>
-              <a:t>2020-06-09</a:t>
+              <a:t>2020-06-17</a:t>
             </a:fld>
             <a:endParaRPr lang="ko-KR" altLang="en-US"/>
           </a:p>
@@ -1330,7 +1330,7 @@
             <a:fld id="{08D3C6AE-374A-45A3-A135-F822ABA0E812}" type="datetimeFigureOut">
               <a:rPr lang="ko-KR" altLang="en-US" smtClean="0"/>
               <a:pPr/>
-              <a:t>2020-06-09</a:t>
+              <a:t>2020-06-17</a:t>
             </a:fld>
             <a:endParaRPr lang="ko-KR" altLang="en-US"/>
           </a:p>
@@ -1749,7 +1749,7 @@
             <a:fld id="{08D3C6AE-374A-45A3-A135-F822ABA0E812}" type="datetimeFigureOut">
               <a:rPr lang="ko-KR" altLang="en-US" smtClean="0"/>
               <a:pPr/>
-              <a:t>2020-06-09</a:t>
+              <a:t>2020-06-17</a:t>
             </a:fld>
             <a:endParaRPr lang="ko-KR" altLang="en-US"/>
           </a:p>
@@ -1864,7 +1864,7 @@
             <a:fld id="{08D3C6AE-374A-45A3-A135-F822ABA0E812}" type="datetimeFigureOut">
               <a:rPr lang="ko-KR" altLang="en-US" smtClean="0"/>
               <a:pPr/>
-              <a:t>2020-06-09</a:t>
+              <a:t>2020-06-17</a:t>
             </a:fld>
             <a:endParaRPr lang="ko-KR" altLang="en-US"/>
           </a:p>
@@ -1956,7 +1956,7 @@
             <a:fld id="{08D3C6AE-374A-45A3-A135-F822ABA0E812}" type="datetimeFigureOut">
               <a:rPr lang="ko-KR" altLang="en-US" smtClean="0"/>
               <a:pPr/>
-              <a:t>2020-06-09</a:t>
+              <a:t>2020-06-17</a:t>
             </a:fld>
             <a:endParaRPr lang="ko-KR" altLang="en-US"/>
           </a:p>
@@ -2230,7 +2230,7 @@
             <a:fld id="{08D3C6AE-374A-45A3-A135-F822ABA0E812}" type="datetimeFigureOut">
               <a:rPr lang="ko-KR" altLang="en-US" smtClean="0"/>
               <a:pPr/>
-              <a:t>2020-06-09</a:t>
+              <a:t>2020-06-17</a:t>
             </a:fld>
             <a:endParaRPr lang="ko-KR" altLang="en-US"/>
           </a:p>
@@ -2480,7 +2480,7 @@
             <a:fld id="{08D3C6AE-374A-45A3-A135-F822ABA0E812}" type="datetimeFigureOut">
               <a:rPr lang="ko-KR" altLang="en-US" smtClean="0"/>
               <a:pPr/>
-              <a:t>2020-06-09</a:t>
+              <a:t>2020-06-17</a:t>
             </a:fld>
             <a:endParaRPr lang="ko-KR" altLang="en-US"/>
           </a:p>
@@ -2690,7 +2690,7 @@
             <a:fld id="{08D3C6AE-374A-45A3-A135-F822ABA0E812}" type="datetimeFigureOut">
               <a:rPr lang="ko-KR" altLang="en-US" smtClean="0"/>
               <a:pPr/>
-              <a:t>2020-06-09</a:t>
+              <a:t>2020-06-17</a:t>
             </a:fld>
             <a:endParaRPr lang="ko-KR" altLang="en-US"/>
           </a:p>
@@ -3063,25 +3063,27 @@
       </p:grpSpPr>
       <p:sp>
         <p:nvSpPr>
-          <p:cNvPr id="4" name="직사각형 3"/>
+          <p:cNvPr id="32" name="직사각형 31"/>
           <p:cNvSpPr/>
           <p:nvPr/>
         </p:nvSpPr>
         <p:spPr>
           <a:xfrm>
-            <a:off x="395536" y="1196752"/>
-            <a:ext cx="2376264" cy="1152128"/>
+            <a:off x="251520" y="5157192"/>
+            <a:ext cx="8640960" cy="1584176"/>
           </a:xfrm>
           <a:prstGeom prst="rect">
             <a:avLst/>
           </a:prstGeom>
           <a:solidFill>
             <a:schemeClr val="bg1">
-              <a:lumMod val="85000"/>
+              <a:lumMod val="95000"/>
             </a:schemeClr>
           </a:solidFill>
           <a:ln>
-            <a:noFill/>
+            <a:solidFill>
+              <a:schemeClr val="bg1"/>
+            </a:solidFill>
           </a:ln>
         </p:spPr>
         <p:style>
@@ -3105,890 +3107,13 @@
           <a:lstStyle/>
           <a:p>
             <a:pPr algn="ctr"/>
-            <a:r>
-              <a:rPr lang="ko-KR" altLang="en-US" sz="1600" b="1" dirty="0" err="1" smtClean="0">
-                <a:solidFill>
-                  <a:schemeClr val="tx1"/>
-                </a:solidFill>
-              </a:rPr>
-              <a:t>크롤링</a:t>
-            </a:r>
-            <a:endParaRPr lang="en-US" altLang="ko-KR" sz="1600" b="1" dirty="0" smtClean="0">
-              <a:solidFill>
-                <a:schemeClr val="tx1"/>
-              </a:solidFill>
-            </a:endParaRPr>
-          </a:p>
-          <a:p>
-            <a:pPr algn="ctr"/>
-            <a:r>
-              <a:rPr lang="ko-KR" altLang="en-US" sz="1600" dirty="0" err="1" smtClean="0">
-                <a:solidFill>
-                  <a:schemeClr val="tx1"/>
-                </a:solidFill>
-              </a:rPr>
-              <a:t>키워드별</a:t>
-            </a:r>
-            <a:r>
-              <a:rPr lang="ko-KR" altLang="en-US" sz="1600" dirty="0" smtClean="0">
-                <a:solidFill>
-                  <a:schemeClr val="tx1"/>
-                </a:solidFill>
-              </a:rPr>
-              <a:t> </a:t>
-            </a:r>
-            <a:r>
-              <a:rPr lang="en-US" altLang="ko-KR" sz="1600" dirty="0" smtClean="0">
-                <a:solidFill>
-                  <a:schemeClr val="tx1"/>
-                </a:solidFill>
-              </a:rPr>
-              <a:t>-</a:t>
-            </a:r>
-            <a:r>
-              <a:rPr lang="ko-KR" altLang="en-US" sz="1600" dirty="0" smtClean="0">
-                <a:solidFill>
-                  <a:schemeClr val="tx1"/>
-                </a:solidFill>
-              </a:rPr>
-              <a:t>매월</a:t>
-            </a:r>
-            <a:r>
-              <a:rPr lang="en-US" altLang="ko-KR" sz="1600" dirty="0" smtClean="0">
-                <a:solidFill>
-                  <a:schemeClr val="tx1"/>
-                </a:solidFill>
-              </a:rPr>
-              <a:t>,</a:t>
-            </a:r>
-            <a:r>
-              <a:rPr lang="ko-KR" altLang="en-US" sz="1600" dirty="0" smtClean="0">
-                <a:solidFill>
-                  <a:schemeClr val="tx1"/>
-                </a:solidFill>
-              </a:rPr>
-              <a:t>매년</a:t>
-            </a:r>
-            <a:endParaRPr lang="en-US" altLang="ko-KR" sz="1600" dirty="0" smtClean="0">
-              <a:solidFill>
-                <a:schemeClr val="tx1"/>
-              </a:solidFill>
-            </a:endParaRPr>
-          </a:p>
-          <a:p>
-            <a:pPr algn="ctr"/>
-            <a:r>
-              <a:rPr lang="en-US" altLang="ko-KR" sz="1600" dirty="0" smtClean="0">
-                <a:solidFill>
-                  <a:schemeClr val="tx1"/>
-                </a:solidFill>
-              </a:rPr>
-              <a:t>(1keyword </a:t>
-            </a:r>
-            <a:r>
-              <a:rPr lang="ko-KR" altLang="en-US" sz="1600" dirty="0" smtClean="0">
-                <a:solidFill>
-                  <a:schemeClr val="tx1"/>
-                </a:solidFill>
-              </a:rPr>
-              <a:t>당 </a:t>
-            </a:r>
-            <a:r>
-              <a:rPr lang="en-US" altLang="ko-KR" sz="1600" dirty="0" smtClean="0">
-                <a:solidFill>
-                  <a:schemeClr val="tx1"/>
-                </a:solidFill>
-              </a:rPr>
-              <a:t>120)</a:t>
-            </a:r>
-          </a:p>
-          <a:p>
-            <a:pPr algn="ctr"/>
-            <a:r>
-              <a:rPr lang="en-US" altLang="ko-KR" sz="1600" dirty="0" smtClean="0">
-                <a:solidFill>
-                  <a:schemeClr val="tx1"/>
-                </a:solidFill>
-              </a:rPr>
-              <a:t>Return CSV</a:t>
-            </a:r>
-          </a:p>
-        </p:txBody>
-      </p:sp>
-      <p:sp>
-        <p:nvSpPr>
-          <p:cNvPr id="5" name="직사각형 4"/>
-          <p:cNvSpPr/>
-          <p:nvPr/>
-        </p:nvSpPr>
-        <p:spPr>
-          <a:xfrm>
-            <a:off x="395536" y="3356992"/>
-            <a:ext cx="2376264" cy="1152128"/>
-          </a:xfrm>
-          <a:prstGeom prst="rect">
-            <a:avLst/>
-          </a:prstGeom>
-          <a:solidFill>
-            <a:schemeClr val="bg1">
-              <a:lumMod val="85000"/>
-            </a:schemeClr>
-          </a:solidFill>
-          <a:ln>
-            <a:noFill/>
-          </a:ln>
-        </p:spPr>
-        <p:style>
-          <a:lnRef idx="2">
-            <a:schemeClr val="accent1">
-              <a:shade val="50000"/>
-            </a:schemeClr>
-          </a:lnRef>
-          <a:fillRef idx="1">
-            <a:schemeClr val="accent1"/>
-          </a:fillRef>
-          <a:effectRef idx="0">
-            <a:schemeClr val="accent1"/>
-          </a:effectRef>
-          <a:fontRef idx="minor">
-            <a:schemeClr val="lt1"/>
-          </a:fontRef>
-        </p:style>
-        <p:txBody>
-          <a:bodyPr rtlCol="0" anchor="ctr"/>
-          <a:lstStyle/>
-          <a:p>
-            <a:pPr algn="ctr"/>
-            <a:r>
-              <a:rPr lang="en-US" altLang="ko-KR" sz="1600" b="1" dirty="0" smtClean="0">
-                <a:solidFill>
-                  <a:schemeClr val="tx1"/>
-                </a:solidFill>
-              </a:rPr>
-              <a:t>Merge, Filtering</a:t>
-            </a:r>
-          </a:p>
-          <a:p>
-            <a:pPr algn="ctr"/>
-            <a:r>
-              <a:rPr lang="en-US" altLang="ko-KR" sz="1600" dirty="0" smtClean="0">
-                <a:solidFill>
-                  <a:schemeClr val="tx1"/>
-                </a:solidFill>
-              </a:rPr>
-              <a:t>120</a:t>
-            </a:r>
-            <a:r>
-              <a:rPr lang="ko-KR" altLang="en-US" sz="1600" dirty="0" smtClean="0">
-                <a:solidFill>
-                  <a:schemeClr val="tx1"/>
-                </a:solidFill>
-              </a:rPr>
-              <a:t>개 파일 </a:t>
-            </a:r>
-            <a:r>
-              <a:rPr lang="en-US" altLang="ko-KR" sz="1600" dirty="0" smtClean="0">
-                <a:solidFill>
-                  <a:schemeClr val="tx1"/>
-                </a:solidFill>
-              </a:rPr>
-              <a:t>1</a:t>
-            </a:r>
-            <a:r>
-              <a:rPr lang="ko-KR" altLang="en-US" sz="1600" dirty="0" smtClean="0">
-                <a:solidFill>
-                  <a:schemeClr val="tx1"/>
-                </a:solidFill>
-              </a:rPr>
-              <a:t>개로 통합</a:t>
-            </a:r>
-            <a:endParaRPr lang="en-US" altLang="ko-KR" sz="1600" dirty="0" smtClean="0">
-              <a:solidFill>
-                <a:schemeClr val="tx1"/>
-              </a:solidFill>
-            </a:endParaRPr>
-          </a:p>
-          <a:p>
-            <a:pPr algn="ctr"/>
-            <a:r>
-              <a:rPr lang="en-US" altLang="ko-KR" sz="1600" dirty="0" smtClean="0">
-                <a:solidFill>
-                  <a:schemeClr val="tx1"/>
-                </a:solidFill>
-              </a:rPr>
-              <a:t>Filtering</a:t>
-            </a:r>
-          </a:p>
-          <a:p>
-            <a:pPr algn="ctr"/>
-            <a:r>
-              <a:rPr lang="en-US" altLang="ko-KR" sz="1600" dirty="0" smtClean="0">
-                <a:solidFill>
-                  <a:schemeClr val="tx1"/>
-                </a:solidFill>
-              </a:rPr>
-              <a:t>Return CSV</a:t>
-            </a:r>
-          </a:p>
-        </p:txBody>
-      </p:sp>
-      <p:sp>
-        <p:nvSpPr>
-          <p:cNvPr id="6" name="직사각형 5"/>
-          <p:cNvSpPr/>
-          <p:nvPr/>
-        </p:nvSpPr>
-        <p:spPr>
-          <a:xfrm>
-            <a:off x="4067944" y="1844824"/>
-            <a:ext cx="2376264" cy="1152128"/>
-          </a:xfrm>
-          <a:prstGeom prst="rect">
-            <a:avLst/>
-          </a:prstGeom>
-          <a:solidFill>
-            <a:schemeClr val="bg1">
-              <a:lumMod val="85000"/>
-            </a:schemeClr>
-          </a:solidFill>
-          <a:ln>
-            <a:noFill/>
-          </a:ln>
-        </p:spPr>
-        <p:style>
-          <a:lnRef idx="2">
-            <a:schemeClr val="accent1">
-              <a:shade val="50000"/>
-            </a:schemeClr>
-          </a:lnRef>
-          <a:fillRef idx="1">
-            <a:schemeClr val="accent1"/>
-          </a:fillRef>
-          <a:effectRef idx="0">
-            <a:schemeClr val="accent1"/>
-          </a:effectRef>
-          <a:fontRef idx="minor">
-            <a:schemeClr val="lt1"/>
-          </a:fontRef>
-        </p:style>
-        <p:txBody>
-          <a:bodyPr rtlCol="0" anchor="ctr"/>
-          <a:lstStyle/>
-          <a:p>
-            <a:pPr algn="ctr"/>
-            <a:r>
-              <a:rPr lang="en-US" altLang="ko-KR" sz="1600" b="1" dirty="0" smtClean="0">
-                <a:solidFill>
-                  <a:schemeClr val="tx1"/>
-                </a:solidFill>
-              </a:rPr>
-              <a:t>Tokenize</a:t>
-            </a:r>
-          </a:p>
-          <a:p>
-            <a:pPr algn="ctr"/>
-            <a:r>
-              <a:rPr lang="ko-KR" altLang="en-US" sz="1600" dirty="0" smtClean="0">
-                <a:solidFill>
-                  <a:schemeClr val="tx1"/>
-                </a:solidFill>
-              </a:rPr>
-              <a:t>각 단어로 </a:t>
-            </a:r>
-            <a:r>
-              <a:rPr lang="ko-KR" altLang="en-US" sz="1600" dirty="0" err="1" smtClean="0">
-                <a:solidFill>
-                  <a:schemeClr val="tx1"/>
-                </a:solidFill>
-              </a:rPr>
-              <a:t>토크나이즈</a:t>
-            </a:r>
-            <a:endParaRPr lang="en-US" altLang="ko-KR" sz="1600" dirty="0" smtClean="0">
-              <a:solidFill>
-                <a:schemeClr val="tx1"/>
-              </a:solidFill>
-            </a:endParaRPr>
-          </a:p>
-          <a:p>
-            <a:pPr algn="ctr"/>
-            <a:r>
-              <a:rPr lang="ko-KR" altLang="en-US" sz="1600" dirty="0" smtClean="0">
-                <a:solidFill>
-                  <a:schemeClr val="tx1"/>
-                </a:solidFill>
-              </a:rPr>
-              <a:t>명</a:t>
-            </a:r>
-            <a:r>
-              <a:rPr lang="en-US" altLang="ko-KR" sz="1600" dirty="0" smtClean="0">
-                <a:solidFill>
-                  <a:schemeClr val="tx1"/>
-                </a:solidFill>
-              </a:rPr>
-              <a:t>/</a:t>
-            </a:r>
-            <a:r>
-              <a:rPr lang="ko-KR" altLang="en-US" sz="1600" dirty="0" smtClean="0">
-                <a:solidFill>
-                  <a:schemeClr val="tx1"/>
-                </a:solidFill>
-              </a:rPr>
-              <a:t>형 구분</a:t>
-            </a:r>
-            <a:endParaRPr lang="en-US" altLang="ko-KR" sz="1600" dirty="0" smtClean="0">
-              <a:solidFill>
-                <a:schemeClr val="tx1"/>
-              </a:solidFill>
-            </a:endParaRPr>
-          </a:p>
-          <a:p>
-            <a:pPr algn="ctr"/>
-            <a:r>
-              <a:rPr lang="en-US" altLang="ko-KR" sz="1600" dirty="0" smtClean="0">
-                <a:solidFill>
-                  <a:schemeClr val="tx1"/>
-                </a:solidFill>
-              </a:rPr>
-              <a:t>Return CSV</a:t>
-            </a:r>
-          </a:p>
-        </p:txBody>
-      </p:sp>
-      <p:sp>
-        <p:nvSpPr>
-          <p:cNvPr id="7" name="직사각형 6"/>
-          <p:cNvSpPr/>
-          <p:nvPr/>
-        </p:nvSpPr>
-        <p:spPr>
-          <a:xfrm>
-            <a:off x="2411760" y="5445224"/>
-            <a:ext cx="1800200" cy="1152128"/>
-          </a:xfrm>
-          <a:prstGeom prst="rect">
-            <a:avLst/>
-          </a:prstGeom>
-          <a:solidFill>
-            <a:schemeClr val="bg1">
-              <a:lumMod val="85000"/>
-            </a:schemeClr>
-          </a:solidFill>
-          <a:ln>
-            <a:noFill/>
-          </a:ln>
-        </p:spPr>
-        <p:style>
-          <a:lnRef idx="2">
-            <a:schemeClr val="accent1">
-              <a:shade val="50000"/>
-            </a:schemeClr>
-          </a:lnRef>
-          <a:fillRef idx="1">
-            <a:schemeClr val="accent1"/>
-          </a:fillRef>
-          <a:effectRef idx="0">
-            <a:schemeClr val="accent1"/>
-          </a:effectRef>
-          <a:fontRef idx="minor">
-            <a:schemeClr val="lt1"/>
-          </a:fontRef>
-        </p:style>
-        <p:txBody>
-          <a:bodyPr rtlCol="0" anchor="ctr"/>
-          <a:lstStyle/>
-          <a:p>
-            <a:pPr algn="ctr"/>
-            <a:r>
-              <a:rPr lang="en-US" altLang="ko-KR" sz="1600" b="1" dirty="0" err="1" smtClean="0">
-                <a:solidFill>
-                  <a:schemeClr val="tx1"/>
-                </a:solidFill>
-              </a:rPr>
-              <a:t>Wordcloud</a:t>
-            </a:r>
-            <a:endParaRPr lang="en-US" altLang="ko-KR" sz="1600" b="1" dirty="0" smtClean="0">
-              <a:solidFill>
-                <a:schemeClr val="tx1"/>
-              </a:solidFill>
-            </a:endParaRPr>
-          </a:p>
-          <a:p>
-            <a:pPr algn="ctr"/>
-            <a:r>
-              <a:rPr lang="ko-KR" altLang="en-US" sz="1600" dirty="0" smtClean="0">
-                <a:solidFill>
-                  <a:schemeClr val="tx1"/>
-                </a:solidFill>
-              </a:rPr>
-              <a:t>각 키워드</a:t>
-            </a:r>
-            <a:r>
-              <a:rPr lang="en-US" altLang="ko-KR" sz="1600" dirty="0" smtClean="0">
-                <a:solidFill>
-                  <a:schemeClr val="tx1"/>
-                </a:solidFill>
-              </a:rPr>
-              <a:t>, </a:t>
-            </a:r>
-            <a:r>
-              <a:rPr lang="ko-KR" altLang="en-US" sz="1600" dirty="0" err="1" smtClean="0">
-                <a:solidFill>
-                  <a:schemeClr val="tx1"/>
-                </a:solidFill>
-              </a:rPr>
-              <a:t>년도별</a:t>
-            </a:r>
-            <a:r>
-              <a:rPr lang="en-US" altLang="ko-KR" sz="1600" dirty="0" smtClean="0">
-                <a:solidFill>
-                  <a:schemeClr val="tx1"/>
-                </a:solidFill>
-              </a:rPr>
-              <a:t>,</a:t>
-            </a:r>
-          </a:p>
-        </p:txBody>
-      </p:sp>
-      <p:sp>
-        <p:nvSpPr>
-          <p:cNvPr id="8" name="오른쪽 화살표 7"/>
-          <p:cNvSpPr/>
-          <p:nvPr/>
-        </p:nvSpPr>
-        <p:spPr>
-          <a:xfrm>
-            <a:off x="3131840" y="2132856"/>
-            <a:ext cx="720080" cy="576064"/>
-          </a:xfrm>
-          <a:prstGeom prst="rightArrow">
-            <a:avLst/>
-          </a:prstGeom>
-        </p:spPr>
-        <p:style>
-          <a:lnRef idx="2">
-            <a:schemeClr val="accent1">
-              <a:shade val="50000"/>
-            </a:schemeClr>
-          </a:lnRef>
-          <a:fillRef idx="1">
-            <a:schemeClr val="accent1"/>
-          </a:fillRef>
-          <a:effectRef idx="0">
-            <a:schemeClr val="accent1"/>
-          </a:effectRef>
-          <a:fontRef idx="minor">
-            <a:schemeClr val="lt1"/>
-          </a:fontRef>
-        </p:style>
-        <p:txBody>
-          <a:bodyPr rtlCol="0" anchor="ctr"/>
-          <a:lstStyle/>
-          <a:p>
-            <a:pPr algn="ctr"/>
-            <a:endParaRPr lang="ko-KR" altLang="en-US"/>
-          </a:p>
-        </p:txBody>
-      </p:sp>
-      <p:sp>
-        <p:nvSpPr>
-          <p:cNvPr id="9" name="오른쪽 화살표 8"/>
-          <p:cNvSpPr/>
-          <p:nvPr/>
-        </p:nvSpPr>
-        <p:spPr>
-          <a:xfrm rot="5400000">
-            <a:off x="1331640" y="2564904"/>
-            <a:ext cx="432048" cy="576064"/>
-          </a:xfrm>
-          <a:prstGeom prst="rightArrow">
-            <a:avLst/>
-          </a:prstGeom>
-        </p:spPr>
-        <p:style>
-          <a:lnRef idx="2">
-            <a:schemeClr val="accent1">
-              <a:shade val="50000"/>
-            </a:schemeClr>
-          </a:lnRef>
-          <a:fillRef idx="1">
-            <a:schemeClr val="accent1"/>
-          </a:fillRef>
-          <a:effectRef idx="0">
-            <a:schemeClr val="accent1"/>
-          </a:effectRef>
-          <a:fontRef idx="minor">
-            <a:schemeClr val="lt1"/>
-          </a:fontRef>
-        </p:style>
-        <p:txBody>
-          <a:bodyPr rtlCol="0" anchor="ctr"/>
-          <a:lstStyle/>
-          <a:p>
-            <a:pPr algn="ctr"/>
-            <a:endParaRPr lang="ko-KR" altLang="en-US"/>
-          </a:p>
-        </p:txBody>
-      </p:sp>
-      <p:sp>
-        <p:nvSpPr>
-          <p:cNvPr id="12" name="오른쪽 화살표 11"/>
-          <p:cNvSpPr/>
-          <p:nvPr/>
-        </p:nvSpPr>
-        <p:spPr>
-          <a:xfrm rot="1857727">
-            <a:off x="4977434" y="3211064"/>
-            <a:ext cx="432048" cy="576064"/>
-          </a:xfrm>
-          <a:prstGeom prst="rightArrow">
-            <a:avLst/>
-          </a:prstGeom>
-        </p:spPr>
-        <p:style>
-          <a:lnRef idx="2">
-            <a:schemeClr val="accent1">
-              <a:shade val="50000"/>
-            </a:schemeClr>
-          </a:lnRef>
-          <a:fillRef idx="1">
-            <a:schemeClr val="accent1"/>
-          </a:fillRef>
-          <a:effectRef idx="0">
-            <a:schemeClr val="accent1"/>
-          </a:effectRef>
-          <a:fontRef idx="minor">
-            <a:schemeClr val="lt1"/>
-          </a:fontRef>
-        </p:style>
-        <p:txBody>
-          <a:bodyPr rtlCol="0" anchor="ctr"/>
-          <a:lstStyle/>
-          <a:p>
-            <a:pPr algn="ctr"/>
-            <a:endParaRPr lang="ko-KR" altLang="en-US"/>
-          </a:p>
-        </p:txBody>
-      </p:sp>
-      <p:sp>
-        <p:nvSpPr>
-          <p:cNvPr id="13" name="직사각형 12"/>
-          <p:cNvSpPr/>
-          <p:nvPr/>
-        </p:nvSpPr>
-        <p:spPr>
-          <a:xfrm>
-            <a:off x="4499992" y="5445224"/>
-            <a:ext cx="1800200" cy="1152128"/>
-          </a:xfrm>
-          <a:prstGeom prst="rect">
-            <a:avLst/>
-          </a:prstGeom>
-          <a:solidFill>
-            <a:schemeClr val="bg1">
-              <a:lumMod val="85000"/>
-            </a:schemeClr>
-          </a:solidFill>
-          <a:ln>
-            <a:noFill/>
-          </a:ln>
-        </p:spPr>
-        <p:style>
-          <a:lnRef idx="2">
-            <a:schemeClr val="accent1">
-              <a:shade val="50000"/>
-            </a:schemeClr>
-          </a:lnRef>
-          <a:fillRef idx="1">
-            <a:schemeClr val="accent1"/>
-          </a:fillRef>
-          <a:effectRef idx="0">
-            <a:schemeClr val="accent1"/>
-          </a:effectRef>
-          <a:fontRef idx="minor">
-            <a:schemeClr val="lt1"/>
-          </a:fontRef>
-        </p:style>
-        <p:txBody>
-          <a:bodyPr rtlCol="0" anchor="ctr"/>
-          <a:lstStyle/>
-          <a:p>
-            <a:pPr algn="ctr"/>
-            <a:r>
-              <a:rPr lang="en-US" altLang="ko-KR" sz="1600" b="1" dirty="0" smtClean="0">
-                <a:solidFill>
-                  <a:schemeClr val="tx1"/>
-                </a:solidFill>
-              </a:rPr>
-              <a:t>Network</a:t>
-            </a:r>
-          </a:p>
-          <a:p>
-            <a:pPr algn="ctr"/>
-            <a:r>
-              <a:rPr lang="ko-KR" altLang="en-US" sz="1600" dirty="0" smtClean="0">
-                <a:solidFill>
-                  <a:schemeClr val="tx1"/>
-                </a:solidFill>
-              </a:rPr>
-              <a:t>각 키워드</a:t>
-            </a:r>
-            <a:r>
-              <a:rPr lang="en-US" altLang="ko-KR" sz="1600" dirty="0" smtClean="0">
-                <a:solidFill>
-                  <a:schemeClr val="tx1"/>
-                </a:solidFill>
-              </a:rPr>
-              <a:t>, </a:t>
-            </a:r>
-            <a:r>
-              <a:rPr lang="ko-KR" altLang="en-US" sz="1600" dirty="0" err="1" smtClean="0">
-                <a:solidFill>
-                  <a:schemeClr val="tx1"/>
-                </a:solidFill>
-              </a:rPr>
-              <a:t>년도별</a:t>
-            </a:r>
-            <a:r>
-              <a:rPr lang="en-US" altLang="ko-KR" sz="1600" dirty="0" smtClean="0">
-                <a:solidFill>
-                  <a:schemeClr val="tx1"/>
-                </a:solidFill>
-              </a:rPr>
-              <a:t>,</a:t>
-            </a:r>
-          </a:p>
-        </p:txBody>
-      </p:sp>
-      <p:sp>
-        <p:nvSpPr>
-          <p:cNvPr id="14" name="직사각형 13"/>
-          <p:cNvSpPr/>
-          <p:nvPr/>
-        </p:nvSpPr>
-        <p:spPr>
-          <a:xfrm>
-            <a:off x="6732240" y="5445224"/>
-            <a:ext cx="1800200" cy="1152128"/>
-          </a:xfrm>
-          <a:prstGeom prst="rect">
-            <a:avLst/>
-          </a:prstGeom>
-          <a:solidFill>
-            <a:schemeClr val="bg1">
-              <a:lumMod val="85000"/>
-            </a:schemeClr>
-          </a:solidFill>
-          <a:ln>
-            <a:noFill/>
-          </a:ln>
-        </p:spPr>
-        <p:style>
-          <a:lnRef idx="2">
-            <a:schemeClr val="accent1">
-              <a:shade val="50000"/>
-            </a:schemeClr>
-          </a:lnRef>
-          <a:fillRef idx="1">
-            <a:schemeClr val="accent1"/>
-          </a:fillRef>
-          <a:effectRef idx="0">
-            <a:schemeClr val="accent1"/>
-          </a:effectRef>
-          <a:fontRef idx="minor">
-            <a:schemeClr val="lt1"/>
-          </a:fontRef>
-        </p:style>
-        <p:txBody>
-          <a:bodyPr rtlCol="0" anchor="ctr"/>
-          <a:lstStyle/>
-          <a:p>
-            <a:pPr algn="ctr"/>
-            <a:r>
-              <a:rPr lang="en-US" altLang="ko-KR" sz="1600" b="1" dirty="0" err="1" smtClean="0">
-                <a:solidFill>
-                  <a:schemeClr val="tx1"/>
-                </a:solidFill>
-              </a:rPr>
-              <a:t>Heatmap</a:t>
-            </a:r>
-            <a:endParaRPr lang="en-US" altLang="ko-KR" sz="1600" b="1" dirty="0" smtClean="0">
-              <a:solidFill>
-                <a:schemeClr val="tx1"/>
-              </a:solidFill>
-            </a:endParaRPr>
-          </a:p>
-          <a:p>
-            <a:pPr algn="ctr"/>
-            <a:r>
-              <a:rPr lang="ko-KR" altLang="en-US" sz="1600" dirty="0" smtClean="0">
-                <a:solidFill>
-                  <a:schemeClr val="tx1"/>
-                </a:solidFill>
-              </a:rPr>
-              <a:t>각 키워드</a:t>
-            </a:r>
-            <a:r>
-              <a:rPr lang="en-US" altLang="ko-KR" sz="1600" dirty="0" smtClean="0">
-                <a:solidFill>
-                  <a:schemeClr val="tx1"/>
-                </a:solidFill>
-              </a:rPr>
-              <a:t>, </a:t>
-            </a:r>
-            <a:r>
-              <a:rPr lang="ko-KR" altLang="en-US" sz="1600" dirty="0" err="1" smtClean="0">
-                <a:solidFill>
-                  <a:schemeClr val="tx1"/>
-                </a:solidFill>
-              </a:rPr>
-              <a:t>년도별</a:t>
-            </a:r>
-            <a:r>
-              <a:rPr lang="en-US" altLang="ko-KR" sz="1600" dirty="0" smtClean="0">
-                <a:solidFill>
-                  <a:schemeClr val="tx1"/>
-                </a:solidFill>
-              </a:rPr>
-              <a:t>,</a:t>
-            </a:r>
-          </a:p>
-        </p:txBody>
-      </p:sp>
-      <p:sp>
-        <p:nvSpPr>
-          <p:cNvPr id="11" name="타원 10"/>
-          <p:cNvSpPr/>
-          <p:nvPr/>
-        </p:nvSpPr>
-        <p:spPr>
-          <a:xfrm>
-            <a:off x="107504" y="1008112"/>
-            <a:ext cx="504056" cy="504056"/>
-          </a:xfrm>
-          <a:prstGeom prst="ellipse">
-            <a:avLst/>
-          </a:prstGeom>
-        </p:spPr>
-        <p:style>
-          <a:lnRef idx="2">
-            <a:schemeClr val="accent1">
-              <a:shade val="50000"/>
-            </a:schemeClr>
-          </a:lnRef>
-          <a:fillRef idx="1">
-            <a:schemeClr val="accent1"/>
-          </a:fillRef>
-          <a:effectRef idx="0">
-            <a:schemeClr val="accent1"/>
-          </a:effectRef>
-          <a:fontRef idx="minor">
-            <a:schemeClr val="lt1"/>
-          </a:fontRef>
-        </p:style>
-        <p:txBody>
-          <a:bodyPr rtlCol="0" anchor="ctr"/>
-          <a:lstStyle/>
-          <a:p>
-            <a:pPr algn="ctr"/>
-            <a:r>
-              <a:rPr lang="en-US" altLang="ko-KR" dirty="0" smtClean="0"/>
-              <a:t>1</a:t>
-            </a:r>
-            <a:endParaRPr lang="ko-KR" altLang="en-US" dirty="0"/>
-          </a:p>
-        </p:txBody>
-      </p:sp>
-      <p:sp>
-        <p:nvSpPr>
-          <p:cNvPr id="15" name="타원 14"/>
-          <p:cNvSpPr/>
-          <p:nvPr/>
-        </p:nvSpPr>
-        <p:spPr>
-          <a:xfrm>
-            <a:off x="107504" y="3140968"/>
-            <a:ext cx="504056" cy="504056"/>
-          </a:xfrm>
-          <a:prstGeom prst="ellipse">
-            <a:avLst/>
-          </a:prstGeom>
-        </p:spPr>
-        <p:style>
-          <a:lnRef idx="2">
-            <a:schemeClr val="accent1">
-              <a:shade val="50000"/>
-            </a:schemeClr>
-          </a:lnRef>
-          <a:fillRef idx="1">
-            <a:schemeClr val="accent1"/>
-          </a:fillRef>
-          <a:effectRef idx="0">
-            <a:schemeClr val="accent1"/>
-          </a:effectRef>
-          <a:fontRef idx="minor">
-            <a:schemeClr val="lt1"/>
-          </a:fontRef>
-        </p:style>
-        <p:txBody>
-          <a:bodyPr rtlCol="0" anchor="ctr"/>
-          <a:lstStyle/>
-          <a:p>
-            <a:pPr algn="ctr"/>
-            <a:r>
-              <a:rPr lang="en-US" altLang="ko-KR" dirty="0" smtClean="0"/>
-              <a:t>2</a:t>
-            </a:r>
-            <a:endParaRPr lang="ko-KR" altLang="en-US" dirty="0"/>
-          </a:p>
-        </p:txBody>
-      </p:sp>
-      <p:sp>
-        <p:nvSpPr>
-          <p:cNvPr id="16" name="타원 15"/>
-          <p:cNvSpPr/>
-          <p:nvPr/>
-        </p:nvSpPr>
-        <p:spPr>
-          <a:xfrm>
-            <a:off x="3851920" y="1628800"/>
-            <a:ext cx="504056" cy="504056"/>
-          </a:xfrm>
-          <a:prstGeom prst="ellipse">
-            <a:avLst/>
-          </a:prstGeom>
-        </p:spPr>
-        <p:style>
-          <a:lnRef idx="2">
-            <a:schemeClr val="accent1">
-              <a:shade val="50000"/>
-            </a:schemeClr>
-          </a:lnRef>
-          <a:fillRef idx="1">
-            <a:schemeClr val="accent1"/>
-          </a:fillRef>
-          <a:effectRef idx="0">
-            <a:schemeClr val="accent1"/>
-          </a:effectRef>
-          <a:fontRef idx="minor">
-            <a:schemeClr val="lt1"/>
-          </a:fontRef>
-        </p:style>
-        <p:txBody>
-          <a:bodyPr rtlCol="0" anchor="ctr"/>
-          <a:lstStyle/>
-          <a:p>
-            <a:pPr algn="ctr"/>
-            <a:r>
-              <a:rPr lang="en-US" altLang="ko-KR" dirty="0" smtClean="0"/>
-              <a:t>3</a:t>
-            </a:r>
-            <a:endParaRPr lang="ko-KR" altLang="en-US" dirty="0"/>
-          </a:p>
-        </p:txBody>
-      </p:sp>
-      <p:sp>
-        <p:nvSpPr>
-          <p:cNvPr id="17" name="직사각형 16"/>
+            <a:endParaRPr lang="ko-KR" altLang="en-US"/>
+          </a:p>
+        </p:txBody>
+      </p:sp>
+      <p:sp>
+        <p:nvSpPr>
+          <p:cNvPr id="4" name="직사각형 3"/>
           <p:cNvSpPr/>
           <p:nvPr/>
         </p:nvSpPr>
@@ -4064,20 +3189,661 @@
       </p:sp>
       <p:sp>
         <p:nvSpPr>
-          <p:cNvPr id="20" name="모서리가 둥근 직사각형 19"/>
+          <p:cNvPr id="5" name="직사각형 4"/>
           <p:cNvSpPr/>
           <p:nvPr/>
         </p:nvSpPr>
         <p:spPr>
           <a:xfrm>
-            <a:off x="2627784" y="908720"/>
-            <a:ext cx="1368152" cy="720080"/>
+            <a:off x="395536" y="1196752"/>
+            <a:ext cx="3384376" cy="1152128"/>
           </a:xfrm>
-          <a:prstGeom prst="roundRect">
+          <a:prstGeom prst="rect">
             <a:avLst/>
           </a:prstGeom>
           <a:solidFill>
-            <a:schemeClr val="accent4">
+            <a:schemeClr val="bg1">
+              <a:lumMod val="85000"/>
+            </a:schemeClr>
+          </a:solidFill>
+          <a:ln>
+            <a:noFill/>
+          </a:ln>
+        </p:spPr>
+        <p:style>
+          <a:lnRef idx="2">
+            <a:schemeClr val="accent1">
+              <a:shade val="50000"/>
+            </a:schemeClr>
+          </a:lnRef>
+          <a:fillRef idx="1">
+            <a:schemeClr val="accent1"/>
+          </a:fillRef>
+          <a:effectRef idx="0">
+            <a:schemeClr val="accent1"/>
+          </a:effectRef>
+          <a:fontRef idx="minor">
+            <a:schemeClr val="lt1"/>
+          </a:fontRef>
+        </p:style>
+        <p:txBody>
+          <a:bodyPr rtlCol="0" anchor="ctr"/>
+          <a:lstStyle/>
+          <a:p>
+            <a:pPr algn="ctr"/>
+            <a:r>
+              <a:rPr lang="ko-KR" altLang="en-US" sz="1600" b="1" dirty="0" err="1" smtClean="0">
+                <a:solidFill>
+                  <a:schemeClr val="tx1"/>
+                </a:solidFill>
+              </a:rPr>
+              <a:t>크롤링</a:t>
+            </a:r>
+            <a:endParaRPr lang="en-US" altLang="ko-KR" sz="1600" b="1" dirty="0" smtClean="0">
+              <a:solidFill>
+                <a:schemeClr val="tx1"/>
+              </a:solidFill>
+            </a:endParaRPr>
+          </a:p>
+          <a:p>
+            <a:pPr algn="ctr"/>
+            <a:r>
+              <a:rPr lang="en-US" altLang="ko-KR" sz="1400" dirty="0" smtClean="0">
+                <a:solidFill>
+                  <a:schemeClr val="tx1"/>
+                </a:solidFill>
+              </a:rPr>
+              <a:t>Request</a:t>
+            </a:r>
+            <a:r>
+              <a:rPr lang="ko-KR" altLang="en-US" sz="1400" dirty="0" smtClean="0">
+                <a:solidFill>
+                  <a:schemeClr val="tx1"/>
+                </a:solidFill>
+              </a:rPr>
+              <a:t>를</a:t>
+            </a:r>
+            <a:r>
+              <a:rPr lang="en-US" altLang="ko-KR" sz="1400" dirty="0" smtClean="0">
+                <a:solidFill>
+                  <a:schemeClr val="tx1"/>
+                </a:solidFill>
+              </a:rPr>
+              <a:t> </a:t>
+            </a:r>
+            <a:r>
+              <a:rPr lang="ko-KR" altLang="en-US" sz="1400" dirty="0" smtClean="0">
+                <a:solidFill>
+                  <a:schemeClr val="tx1"/>
+                </a:solidFill>
+              </a:rPr>
+              <a:t>활용하여 </a:t>
+            </a:r>
+            <a:r>
+              <a:rPr lang="ko-KR" altLang="en-US" sz="1400" dirty="0" err="1" smtClean="0">
+                <a:solidFill>
+                  <a:schemeClr val="tx1"/>
+                </a:solidFill>
+              </a:rPr>
+              <a:t>크롤링</a:t>
+            </a:r>
+            <a:r>
+              <a:rPr lang="ko-KR" altLang="en-US" sz="1400" dirty="0" smtClean="0">
+                <a:solidFill>
+                  <a:schemeClr val="tx1"/>
+                </a:solidFill>
+              </a:rPr>
+              <a:t> 진행</a:t>
+            </a:r>
+            <a:endParaRPr lang="en-US" altLang="ko-KR" sz="1400" dirty="0" smtClean="0">
+              <a:solidFill>
+                <a:schemeClr val="tx1"/>
+              </a:solidFill>
+            </a:endParaRPr>
+          </a:p>
+          <a:p>
+            <a:pPr algn="ctr"/>
+            <a:r>
+              <a:rPr lang="ko-KR" altLang="en-US" sz="1400" dirty="0" err="1" smtClean="0">
+                <a:solidFill>
+                  <a:schemeClr val="tx1"/>
+                </a:solidFill>
+              </a:rPr>
+              <a:t>키워드별</a:t>
+            </a:r>
+            <a:r>
+              <a:rPr lang="en-US" altLang="ko-KR" sz="1400" dirty="0" smtClean="0">
+                <a:solidFill>
+                  <a:schemeClr val="tx1"/>
+                </a:solidFill>
+              </a:rPr>
+              <a:t>/</a:t>
+            </a:r>
+            <a:r>
+              <a:rPr lang="ko-KR" altLang="en-US" sz="1400" dirty="0" smtClean="0">
+                <a:solidFill>
+                  <a:schemeClr val="tx1"/>
+                </a:solidFill>
+              </a:rPr>
+              <a:t>매월</a:t>
+            </a:r>
+            <a:r>
+              <a:rPr lang="en-US" altLang="ko-KR" sz="1400" dirty="0" smtClean="0">
+                <a:solidFill>
+                  <a:schemeClr val="tx1"/>
+                </a:solidFill>
+              </a:rPr>
+              <a:t>/</a:t>
+            </a:r>
+            <a:r>
+              <a:rPr lang="ko-KR" altLang="en-US" sz="1400" dirty="0" smtClean="0">
+                <a:solidFill>
+                  <a:schemeClr val="tx1"/>
+                </a:solidFill>
+              </a:rPr>
+              <a:t>매년</a:t>
+            </a:r>
+            <a:endParaRPr lang="en-US" altLang="ko-KR" sz="1400" dirty="0" smtClean="0">
+              <a:solidFill>
+                <a:schemeClr val="tx1"/>
+              </a:solidFill>
+            </a:endParaRPr>
+          </a:p>
+          <a:p>
+            <a:pPr algn="ctr"/>
+            <a:r>
+              <a:rPr lang="en-US" altLang="ko-KR" sz="1400" dirty="0" smtClean="0">
+                <a:solidFill>
+                  <a:schemeClr val="tx1"/>
+                </a:solidFill>
+              </a:rPr>
+              <a:t>Return </a:t>
+            </a:r>
+            <a:r>
+              <a:rPr lang="en-US" altLang="ko-KR" sz="1400" dirty="0" smtClean="0">
+                <a:solidFill>
+                  <a:schemeClr val="tx1"/>
+                </a:solidFill>
+              </a:rPr>
+              <a:t>CSV</a:t>
+            </a:r>
+          </a:p>
+        </p:txBody>
+      </p:sp>
+      <p:sp>
+        <p:nvSpPr>
+          <p:cNvPr id="6" name="직사각형 5"/>
+          <p:cNvSpPr/>
+          <p:nvPr/>
+        </p:nvSpPr>
+        <p:spPr>
+          <a:xfrm>
+            <a:off x="395536" y="3356992"/>
+            <a:ext cx="3384376" cy="1152128"/>
+          </a:xfrm>
+          <a:prstGeom prst="rect">
+            <a:avLst/>
+          </a:prstGeom>
+          <a:solidFill>
+            <a:schemeClr val="bg1">
+              <a:lumMod val="85000"/>
+            </a:schemeClr>
+          </a:solidFill>
+          <a:ln>
+            <a:noFill/>
+          </a:ln>
+        </p:spPr>
+        <p:style>
+          <a:lnRef idx="2">
+            <a:schemeClr val="accent1">
+              <a:shade val="50000"/>
+            </a:schemeClr>
+          </a:lnRef>
+          <a:fillRef idx="1">
+            <a:schemeClr val="accent1"/>
+          </a:fillRef>
+          <a:effectRef idx="0">
+            <a:schemeClr val="accent1"/>
+          </a:effectRef>
+          <a:fontRef idx="minor">
+            <a:schemeClr val="lt1"/>
+          </a:fontRef>
+        </p:style>
+        <p:txBody>
+          <a:bodyPr rtlCol="0" anchor="ctr"/>
+          <a:lstStyle/>
+          <a:p>
+            <a:pPr algn="ctr"/>
+            <a:r>
+              <a:rPr lang="en-US" altLang="ko-KR" sz="1600" b="1" dirty="0" smtClean="0">
+                <a:solidFill>
+                  <a:schemeClr val="tx1"/>
+                </a:solidFill>
+              </a:rPr>
+              <a:t>Merge, Filtering</a:t>
+            </a:r>
+          </a:p>
+          <a:p>
+            <a:pPr algn="ctr"/>
+            <a:r>
+              <a:rPr lang="ko-KR" altLang="en-US" sz="1400" dirty="0" smtClean="0">
+                <a:solidFill>
+                  <a:schemeClr val="tx1"/>
+                </a:solidFill>
+              </a:rPr>
+              <a:t>분할된 </a:t>
+            </a:r>
+            <a:r>
+              <a:rPr lang="ko-KR" altLang="en-US" sz="1400" dirty="0" smtClean="0">
+                <a:solidFill>
+                  <a:schemeClr val="tx1"/>
+                </a:solidFill>
+              </a:rPr>
+              <a:t>파일을 결합</a:t>
+            </a:r>
+            <a:endParaRPr lang="en-US" altLang="ko-KR" sz="1400" dirty="0" smtClean="0">
+              <a:solidFill>
+                <a:schemeClr val="tx1"/>
+              </a:solidFill>
+            </a:endParaRPr>
+          </a:p>
+          <a:p>
+            <a:pPr algn="ctr"/>
+            <a:r>
+              <a:rPr lang="ko-KR" altLang="en-US" sz="1400" dirty="0" err="1" smtClean="0">
+                <a:solidFill>
+                  <a:schemeClr val="tx1"/>
+                </a:solidFill>
+              </a:rPr>
+              <a:t>검색어와</a:t>
+            </a:r>
+            <a:r>
+              <a:rPr lang="ko-KR" altLang="en-US" sz="1400" dirty="0" smtClean="0">
+                <a:solidFill>
+                  <a:schemeClr val="tx1"/>
+                </a:solidFill>
+              </a:rPr>
+              <a:t> 무관한 단어 </a:t>
+            </a:r>
+            <a:r>
+              <a:rPr lang="en-US" altLang="ko-KR" sz="1400" dirty="0" err="1" smtClean="0">
+                <a:solidFill>
+                  <a:schemeClr val="tx1"/>
+                </a:solidFill>
+              </a:rPr>
+              <a:t>Filltering</a:t>
+            </a:r>
+            <a:endParaRPr lang="en-US" altLang="ko-KR" sz="1400" dirty="0" smtClean="0">
+              <a:solidFill>
+                <a:schemeClr val="tx1"/>
+              </a:solidFill>
+            </a:endParaRPr>
+          </a:p>
+          <a:p>
+            <a:pPr algn="ctr"/>
+            <a:r>
+              <a:rPr lang="en-US" altLang="ko-KR" sz="1400" dirty="0" smtClean="0">
+                <a:solidFill>
+                  <a:schemeClr val="tx1"/>
+                </a:solidFill>
+              </a:rPr>
+              <a:t>Return CSV</a:t>
+            </a:r>
+          </a:p>
+        </p:txBody>
+      </p:sp>
+      <p:sp>
+        <p:nvSpPr>
+          <p:cNvPr id="7" name="직사각형 6"/>
+          <p:cNvSpPr/>
+          <p:nvPr/>
+        </p:nvSpPr>
+        <p:spPr>
+          <a:xfrm>
+            <a:off x="5076056" y="1268760"/>
+            <a:ext cx="3384376" cy="1152128"/>
+          </a:xfrm>
+          <a:prstGeom prst="rect">
+            <a:avLst/>
+          </a:prstGeom>
+          <a:solidFill>
+            <a:schemeClr val="bg1">
+              <a:lumMod val="85000"/>
+            </a:schemeClr>
+          </a:solidFill>
+          <a:ln>
+            <a:noFill/>
+          </a:ln>
+        </p:spPr>
+        <p:style>
+          <a:lnRef idx="2">
+            <a:schemeClr val="accent1">
+              <a:shade val="50000"/>
+            </a:schemeClr>
+          </a:lnRef>
+          <a:fillRef idx="1">
+            <a:schemeClr val="accent1"/>
+          </a:fillRef>
+          <a:effectRef idx="0">
+            <a:schemeClr val="accent1"/>
+          </a:effectRef>
+          <a:fontRef idx="minor">
+            <a:schemeClr val="lt1"/>
+          </a:fontRef>
+        </p:style>
+        <p:txBody>
+          <a:bodyPr rtlCol="0" anchor="ctr"/>
+          <a:lstStyle/>
+          <a:p>
+            <a:pPr algn="ctr"/>
+            <a:r>
+              <a:rPr lang="en-US" altLang="ko-KR" sz="1600" b="1" dirty="0" smtClean="0">
+                <a:solidFill>
+                  <a:schemeClr val="tx1"/>
+                </a:solidFill>
+              </a:rPr>
+              <a:t>Tokenize</a:t>
+            </a:r>
+          </a:p>
+          <a:p>
+            <a:pPr algn="ctr"/>
+            <a:r>
+              <a:rPr lang="en-US" altLang="ko-KR" sz="1400" dirty="0" err="1" smtClean="0">
+                <a:solidFill>
+                  <a:schemeClr val="tx1"/>
+                </a:solidFill>
+              </a:rPr>
+              <a:t>Ckonlpy</a:t>
+            </a:r>
+            <a:r>
+              <a:rPr lang="ko-KR" altLang="en-US" sz="1400" dirty="0" smtClean="0">
+                <a:solidFill>
+                  <a:schemeClr val="tx1"/>
+                </a:solidFill>
+              </a:rPr>
+              <a:t>로 </a:t>
+            </a:r>
+            <a:r>
+              <a:rPr lang="ko-KR" altLang="en-US" sz="1400" dirty="0" err="1" smtClean="0">
+                <a:solidFill>
+                  <a:schemeClr val="tx1"/>
+                </a:solidFill>
+              </a:rPr>
+              <a:t>토크나이즈</a:t>
+            </a:r>
+            <a:r>
+              <a:rPr lang="en-US" altLang="ko-KR" sz="1400" dirty="0" smtClean="0">
+                <a:solidFill>
+                  <a:schemeClr val="tx1"/>
+                </a:solidFill>
+              </a:rPr>
+              <a:t>(</a:t>
+            </a:r>
+            <a:r>
+              <a:rPr lang="ko-KR" altLang="en-US" sz="1400" dirty="0" smtClean="0">
+                <a:solidFill>
+                  <a:schemeClr val="tx1"/>
+                </a:solidFill>
+              </a:rPr>
+              <a:t>단어추가</a:t>
+            </a:r>
+            <a:r>
+              <a:rPr lang="en-US" altLang="ko-KR" sz="1400" dirty="0" smtClean="0">
+                <a:solidFill>
+                  <a:schemeClr val="tx1"/>
+                </a:solidFill>
+              </a:rPr>
+              <a:t>)</a:t>
+            </a:r>
+          </a:p>
+          <a:p>
+            <a:pPr algn="ctr"/>
+            <a:r>
+              <a:rPr lang="en-US" altLang="ko-KR" sz="1400" dirty="0" smtClean="0">
+                <a:solidFill>
+                  <a:schemeClr val="tx1"/>
+                </a:solidFill>
+              </a:rPr>
+              <a:t>1</a:t>
+            </a:r>
+            <a:r>
+              <a:rPr lang="ko-KR" altLang="en-US" sz="1400" dirty="0" smtClean="0">
+                <a:solidFill>
+                  <a:schemeClr val="tx1"/>
+                </a:solidFill>
+              </a:rPr>
+              <a:t>만 개가 초과시 분할하여 저장</a:t>
+            </a:r>
+            <a:endParaRPr lang="en-US" altLang="ko-KR" sz="1400" dirty="0" smtClean="0">
+              <a:solidFill>
+                <a:schemeClr val="tx1"/>
+              </a:solidFill>
+            </a:endParaRPr>
+          </a:p>
+          <a:p>
+            <a:pPr algn="ctr"/>
+            <a:r>
+              <a:rPr lang="ko-KR" altLang="en-US" sz="1400" dirty="0" smtClean="0">
+                <a:solidFill>
+                  <a:schemeClr val="tx1"/>
+                </a:solidFill>
+              </a:rPr>
+              <a:t>명</a:t>
+            </a:r>
+            <a:r>
+              <a:rPr lang="ko-KR" altLang="en-US" sz="1400" dirty="0" smtClean="0">
+                <a:solidFill>
+                  <a:schemeClr val="tx1"/>
+                </a:solidFill>
+              </a:rPr>
+              <a:t>사</a:t>
+            </a:r>
+            <a:r>
+              <a:rPr lang="en-US" altLang="ko-KR" sz="1400" dirty="0" smtClean="0">
+                <a:solidFill>
+                  <a:schemeClr val="tx1"/>
+                </a:solidFill>
+              </a:rPr>
+              <a:t>/</a:t>
+            </a:r>
+            <a:r>
+              <a:rPr lang="ko-KR" altLang="en-US" sz="1400" dirty="0" smtClean="0">
+                <a:solidFill>
+                  <a:schemeClr val="tx1"/>
+                </a:solidFill>
+              </a:rPr>
+              <a:t>형용사 </a:t>
+            </a:r>
+            <a:r>
+              <a:rPr lang="ko-KR" altLang="en-US" sz="1400" dirty="0" smtClean="0">
+                <a:solidFill>
+                  <a:schemeClr val="tx1"/>
+                </a:solidFill>
+              </a:rPr>
+              <a:t>구분</a:t>
+            </a:r>
+            <a:endParaRPr lang="en-US" altLang="ko-KR" sz="1400" dirty="0" smtClean="0">
+              <a:solidFill>
+                <a:schemeClr val="tx1"/>
+              </a:solidFill>
+            </a:endParaRPr>
+          </a:p>
+          <a:p>
+            <a:pPr algn="ctr"/>
+            <a:r>
+              <a:rPr lang="en-US" altLang="ko-KR" sz="1400" dirty="0" smtClean="0">
+                <a:solidFill>
+                  <a:schemeClr val="tx1"/>
+                </a:solidFill>
+              </a:rPr>
+              <a:t>Return CSV</a:t>
+            </a:r>
+          </a:p>
+        </p:txBody>
+      </p:sp>
+      <p:sp>
+        <p:nvSpPr>
+          <p:cNvPr id="8" name="오른쪽 화살표 7"/>
+          <p:cNvSpPr/>
+          <p:nvPr/>
+        </p:nvSpPr>
+        <p:spPr>
+          <a:xfrm>
+            <a:off x="4139952" y="2636912"/>
+            <a:ext cx="720080" cy="576064"/>
+          </a:xfrm>
+          <a:prstGeom prst="rightArrow">
+            <a:avLst/>
+          </a:prstGeom>
+          <a:solidFill>
+            <a:schemeClr val="tx1">
+              <a:lumMod val="50000"/>
+              <a:lumOff val="50000"/>
+            </a:schemeClr>
+          </a:solidFill>
+          <a:ln>
+            <a:noFill/>
+          </a:ln>
+        </p:spPr>
+        <p:style>
+          <a:lnRef idx="2">
+            <a:schemeClr val="accent1">
+              <a:shade val="50000"/>
+            </a:schemeClr>
+          </a:lnRef>
+          <a:fillRef idx="1">
+            <a:schemeClr val="accent1"/>
+          </a:fillRef>
+          <a:effectRef idx="0">
+            <a:schemeClr val="accent1"/>
+          </a:effectRef>
+          <a:fontRef idx="minor">
+            <a:schemeClr val="lt1"/>
+          </a:fontRef>
+        </p:style>
+        <p:txBody>
+          <a:bodyPr rtlCol="0" anchor="ctr"/>
+          <a:lstStyle/>
+          <a:p>
+            <a:pPr algn="ctr"/>
+            <a:endParaRPr lang="ko-KR" altLang="en-US"/>
+          </a:p>
+        </p:txBody>
+      </p:sp>
+      <p:sp>
+        <p:nvSpPr>
+          <p:cNvPr id="9" name="오른쪽 화살표 8"/>
+          <p:cNvSpPr/>
+          <p:nvPr/>
+        </p:nvSpPr>
+        <p:spPr>
+          <a:xfrm rot="5400000">
+            <a:off x="1907704" y="2564904"/>
+            <a:ext cx="432048" cy="576064"/>
+          </a:xfrm>
+          <a:prstGeom prst="rightArrow">
+            <a:avLst/>
+          </a:prstGeom>
+          <a:solidFill>
+            <a:schemeClr val="tx1">
+              <a:lumMod val="50000"/>
+              <a:lumOff val="50000"/>
+            </a:schemeClr>
+          </a:solidFill>
+          <a:ln>
+            <a:noFill/>
+          </a:ln>
+        </p:spPr>
+        <p:style>
+          <a:lnRef idx="2">
+            <a:schemeClr val="accent1">
+              <a:shade val="50000"/>
+            </a:schemeClr>
+          </a:lnRef>
+          <a:fillRef idx="1">
+            <a:schemeClr val="accent1"/>
+          </a:fillRef>
+          <a:effectRef idx="0">
+            <a:schemeClr val="accent1"/>
+          </a:effectRef>
+          <a:fontRef idx="minor">
+            <a:schemeClr val="lt1"/>
+          </a:fontRef>
+        </p:style>
+        <p:txBody>
+          <a:bodyPr rtlCol="0" anchor="ctr"/>
+          <a:lstStyle/>
+          <a:p>
+            <a:pPr algn="ctr"/>
+            <a:endParaRPr lang="ko-KR" altLang="en-US"/>
+          </a:p>
+        </p:txBody>
+      </p:sp>
+      <p:sp>
+        <p:nvSpPr>
+          <p:cNvPr id="10" name="오른쪽 화살표 9"/>
+          <p:cNvSpPr/>
+          <p:nvPr/>
+        </p:nvSpPr>
+        <p:spPr>
+          <a:xfrm rot="5400000">
+            <a:off x="6633618" y="2562992"/>
+            <a:ext cx="432048" cy="576064"/>
+          </a:xfrm>
+          <a:prstGeom prst="rightArrow">
+            <a:avLst/>
+          </a:prstGeom>
+          <a:solidFill>
+            <a:schemeClr val="tx1">
+              <a:lumMod val="50000"/>
+              <a:lumOff val="50000"/>
+            </a:schemeClr>
+          </a:solidFill>
+          <a:ln>
+            <a:noFill/>
+          </a:ln>
+        </p:spPr>
+        <p:style>
+          <a:lnRef idx="2">
+            <a:schemeClr val="accent1">
+              <a:shade val="50000"/>
+            </a:schemeClr>
+          </a:lnRef>
+          <a:fillRef idx="1">
+            <a:schemeClr val="accent1"/>
+          </a:fillRef>
+          <a:effectRef idx="0">
+            <a:schemeClr val="accent1"/>
+          </a:effectRef>
+          <a:fontRef idx="minor">
+            <a:schemeClr val="lt1"/>
+          </a:fontRef>
+        </p:style>
+        <p:txBody>
+          <a:bodyPr rtlCol="0" anchor="ctr"/>
+          <a:lstStyle/>
+          <a:p>
+            <a:pPr algn="ctr"/>
+            <a:endParaRPr lang="ko-KR" altLang="en-US"/>
+          </a:p>
+        </p:txBody>
+      </p:sp>
+      <p:sp>
+        <p:nvSpPr>
+          <p:cNvPr id="11" name="타원 10"/>
+          <p:cNvSpPr/>
+          <p:nvPr/>
+        </p:nvSpPr>
+        <p:spPr>
+          <a:xfrm>
+            <a:off x="107504" y="1008112"/>
+            <a:ext cx="504056" cy="504056"/>
+          </a:xfrm>
+          <a:prstGeom prst="ellipse">
+            <a:avLst/>
+          </a:prstGeom>
+          <a:solidFill>
+            <a:schemeClr val="accent5">
               <a:lumMod val="60000"/>
               <a:lumOff val="40000"/>
             </a:schemeClr>
@@ -4108,45 +3874,29 @@
           <a:p>
             <a:pPr algn="ctr"/>
             <a:r>
-              <a:rPr lang="ko-KR" altLang="en-US" sz="1400" dirty="0" err="1" smtClean="0">
-                <a:solidFill>
-                  <a:schemeClr val="tx1"/>
-                </a:solidFill>
-              </a:rPr>
-              <a:t>불용어사전</a:t>
-            </a:r>
-            <a:r>
-              <a:rPr lang="ko-KR" altLang="en-US" sz="1400" dirty="0" smtClean="0">
-                <a:solidFill>
-                  <a:schemeClr val="tx1"/>
-                </a:solidFill>
-              </a:rPr>
-              <a:t> 생성</a:t>
-            </a:r>
-            <a:endParaRPr lang="ko-KR" altLang="en-US" sz="1400" dirty="0">
-              <a:solidFill>
-                <a:schemeClr val="tx1"/>
-              </a:solidFill>
-            </a:endParaRPr>
-          </a:p>
-        </p:txBody>
-      </p:sp>
-      <p:sp>
-        <p:nvSpPr>
-          <p:cNvPr id="18" name="모서리가 둥근 직사각형 17"/>
+              <a:rPr lang="en-US" altLang="ko-KR" dirty="0" smtClean="0"/>
+              <a:t>1</a:t>
+            </a:r>
+            <a:endParaRPr lang="ko-KR" altLang="en-US" dirty="0"/>
+          </a:p>
+        </p:txBody>
+      </p:sp>
+      <p:sp>
+        <p:nvSpPr>
+          <p:cNvPr id="12" name="타원 11"/>
           <p:cNvSpPr/>
           <p:nvPr/>
         </p:nvSpPr>
         <p:spPr>
           <a:xfrm>
-            <a:off x="5940152" y="3356992"/>
-            <a:ext cx="2016224" cy="1296144"/>
+            <a:off x="107504" y="3140968"/>
+            <a:ext cx="504056" cy="504056"/>
           </a:xfrm>
-          <a:prstGeom prst="roundRect">
+          <a:prstGeom prst="ellipse">
             <a:avLst/>
           </a:prstGeom>
           <a:solidFill>
-            <a:schemeClr val="accent4">
+            <a:schemeClr val="accent5">
               <a:lumMod val="60000"/>
               <a:lumOff val="40000"/>
             </a:schemeClr>
@@ -4177,83 +3927,36 @@
           <a:p>
             <a:pPr algn="ctr"/>
             <a:r>
-              <a:rPr lang="en-US" altLang="ko-KR" sz="1400" dirty="0" smtClean="0">
-                <a:solidFill>
-                  <a:schemeClr val="tx1"/>
-                </a:solidFill>
-              </a:rPr>
-              <a:t>Heap memory </a:t>
-            </a:r>
-            <a:r>
-              <a:rPr lang="ko-KR" altLang="en-US" sz="1400" dirty="0" smtClean="0">
-                <a:solidFill>
-                  <a:schemeClr val="tx1"/>
-                </a:solidFill>
-              </a:rPr>
-              <a:t>문제로 분할저장 </a:t>
-            </a:r>
-            <a:r>
-              <a:rPr lang="en-US" altLang="ko-KR" sz="1400" dirty="0" smtClean="0">
-                <a:solidFill>
-                  <a:schemeClr val="tx1"/>
-                </a:solidFill>
-              </a:rPr>
-              <a:t>-&gt; </a:t>
-            </a:r>
-            <a:r>
-              <a:rPr lang="ko-KR" altLang="en-US" sz="1400" dirty="0" smtClean="0">
-                <a:solidFill>
-                  <a:schemeClr val="tx1"/>
-                </a:solidFill>
-              </a:rPr>
-              <a:t>통합</a:t>
-            </a:r>
-            <a:endParaRPr lang="en-US" altLang="ko-KR" sz="1400" dirty="0" smtClean="0">
-              <a:solidFill>
-                <a:schemeClr val="tx1"/>
-              </a:solidFill>
-            </a:endParaRPr>
-          </a:p>
-          <a:p>
-            <a:pPr algn="ctr"/>
-            <a:r>
-              <a:rPr lang="ko-KR" altLang="en-US" sz="1400" dirty="0" err="1" smtClean="0">
-                <a:solidFill>
-                  <a:schemeClr val="tx1"/>
-                </a:solidFill>
-              </a:rPr>
-              <a:t>검색어별</a:t>
-            </a:r>
-            <a:r>
-              <a:rPr lang="ko-KR" altLang="en-US" sz="1400" dirty="0" smtClean="0">
-                <a:solidFill>
-                  <a:schemeClr val="tx1"/>
-                </a:solidFill>
-              </a:rPr>
-              <a:t> 데이터 마을로 통합</a:t>
-            </a:r>
-            <a:endParaRPr lang="en-US" altLang="ko-KR" sz="1400" dirty="0" smtClean="0">
-              <a:solidFill>
-                <a:schemeClr val="tx1"/>
-              </a:solidFill>
-            </a:endParaRPr>
-          </a:p>
-        </p:txBody>
-      </p:sp>
-      <p:sp>
-        <p:nvSpPr>
-          <p:cNvPr id="21" name="타원 20"/>
+              <a:rPr lang="en-US" altLang="ko-KR" dirty="0" smtClean="0"/>
+              <a:t>2</a:t>
+            </a:r>
+            <a:endParaRPr lang="ko-KR" altLang="en-US" dirty="0"/>
+          </a:p>
+        </p:txBody>
+      </p:sp>
+      <p:sp>
+        <p:nvSpPr>
+          <p:cNvPr id="13" name="타원 12"/>
           <p:cNvSpPr/>
           <p:nvPr/>
         </p:nvSpPr>
         <p:spPr>
           <a:xfrm>
-            <a:off x="5724128" y="3068960"/>
+            <a:off x="4860032" y="1052736"/>
             <a:ext cx="504056" cy="504056"/>
           </a:xfrm>
           <a:prstGeom prst="ellipse">
             <a:avLst/>
           </a:prstGeom>
+          <a:solidFill>
+            <a:schemeClr val="accent5">
+              <a:lumMod val="60000"/>
+              <a:lumOff val="40000"/>
+            </a:schemeClr>
+          </a:solidFill>
+          <a:ln>
+            <a:noFill/>
+          </a:ln>
         </p:spPr>
         <p:style>
           <a:lnRef idx="2">
@@ -4278,7 +3981,7 @@
             <a:pPr algn="ctr"/>
             <a:r>
               <a:rPr lang="en-US" altLang="ko-KR" dirty="0" smtClean="0"/>
-              <a:t>4</a:t>
+              <a:t>3</a:t>
             </a:r>
             <a:endParaRPr lang="ko-KR" altLang="en-US" dirty="0"/>
           </a:p>
@@ -4286,18 +3989,27 @@
       </p:sp>
       <p:sp>
         <p:nvSpPr>
-          <p:cNvPr id="22" name="타원 21"/>
+          <p:cNvPr id="14" name="모서리가 둥근 직사각형 13"/>
           <p:cNvSpPr/>
           <p:nvPr/>
         </p:nvSpPr>
         <p:spPr>
           <a:xfrm>
-            <a:off x="2195736" y="5157192"/>
-            <a:ext cx="504056" cy="504056"/>
+            <a:off x="2627784" y="2276872"/>
+            <a:ext cx="1656184" cy="504056"/>
           </a:xfrm>
-          <a:prstGeom prst="ellipse">
+          <a:prstGeom prst="roundRect">
             <a:avLst/>
           </a:prstGeom>
+          <a:solidFill>
+            <a:schemeClr val="accent4">
+              <a:lumMod val="40000"/>
+              <a:lumOff val="60000"/>
+            </a:schemeClr>
+          </a:solidFill>
+          <a:ln>
+            <a:noFill/>
+          </a:ln>
         </p:spPr>
         <p:style>
           <a:lnRef idx="2">
@@ -4321,27 +4033,44 @@
           <a:p>
             <a:pPr algn="ctr"/>
             <a:r>
-              <a:rPr lang="en-US" altLang="ko-KR" smtClean="0"/>
-              <a:t>5</a:t>
-            </a:r>
-            <a:endParaRPr lang="ko-KR" altLang="en-US" dirty="0"/>
-          </a:p>
-        </p:txBody>
-      </p:sp>
-      <p:sp>
-        <p:nvSpPr>
-          <p:cNvPr id="23" name="타원 22"/>
+              <a:rPr lang="en-US" altLang="ko-KR" sz="1400" b="1" dirty="0" smtClean="0">
+                <a:solidFill>
+                  <a:schemeClr val="tx1"/>
+                </a:solidFill>
+              </a:rPr>
+              <a:t>Stopword.xlsx</a:t>
+            </a:r>
+            <a:endParaRPr lang="ko-KR" altLang="en-US" sz="1400" b="1" dirty="0">
+              <a:solidFill>
+                <a:schemeClr val="tx1"/>
+              </a:solidFill>
+            </a:endParaRPr>
+          </a:p>
+        </p:txBody>
+      </p:sp>
+      <p:sp>
+        <p:nvSpPr>
+          <p:cNvPr id="18" name="모서리가 둥근 직사각형 17"/>
           <p:cNvSpPr/>
           <p:nvPr/>
         </p:nvSpPr>
         <p:spPr>
           <a:xfrm>
-            <a:off x="4283968" y="5157192"/>
-            <a:ext cx="504056" cy="504056"/>
+            <a:off x="2627784" y="4437112"/>
+            <a:ext cx="1656184" cy="504056"/>
           </a:xfrm>
-          <a:prstGeom prst="ellipse">
+          <a:prstGeom prst="roundRect">
             <a:avLst/>
           </a:prstGeom>
+          <a:solidFill>
+            <a:schemeClr val="accent4">
+              <a:lumMod val="40000"/>
+              <a:lumOff val="60000"/>
+            </a:schemeClr>
+          </a:solidFill>
+          <a:ln>
+            <a:noFill/>
+          </a:ln>
         </p:spPr>
         <p:style>
           <a:lnRef idx="2">
@@ -4365,27 +4094,52 @@
           <a:p>
             <a:pPr algn="ctr"/>
             <a:r>
-              <a:rPr lang="en-US" altLang="ko-KR" smtClean="0"/>
-              <a:t>5</a:t>
-            </a:r>
-            <a:endParaRPr lang="ko-KR" altLang="en-US" dirty="0"/>
-          </a:p>
-        </p:txBody>
-      </p:sp>
-      <p:sp>
-        <p:nvSpPr>
-          <p:cNvPr id="24" name="타원 23"/>
+              <a:rPr lang="en-US" altLang="ko-KR" sz="1400" b="1" dirty="0" smtClean="0">
+                <a:solidFill>
+                  <a:schemeClr val="tx1"/>
+                </a:solidFill>
+              </a:rPr>
+              <a:t>Fillter_word</a:t>
+            </a:r>
+            <a:r>
+              <a:rPr lang="en-US" altLang="ko-KR" sz="1400" b="1" dirty="0" smtClean="0">
+                <a:solidFill>
+                  <a:schemeClr val="tx1"/>
+                </a:solidFill>
+              </a:rPr>
+              <a:t>.xlsx</a:t>
+            </a:r>
+            <a:endParaRPr lang="ko-KR" altLang="en-US" sz="1400" b="1" dirty="0">
+              <a:solidFill>
+                <a:schemeClr val="tx1"/>
+              </a:solidFill>
+            </a:endParaRPr>
+          </a:p>
+        </p:txBody>
+      </p:sp>
+      <p:sp>
+        <p:nvSpPr>
+          <p:cNvPr id="19" name="모서리가 둥근 직사각형 18"/>
           <p:cNvSpPr/>
           <p:nvPr/>
         </p:nvSpPr>
         <p:spPr>
           <a:xfrm>
-            <a:off x="6516216" y="5157192"/>
-            <a:ext cx="504056" cy="504056"/>
+            <a:off x="7380312" y="2276872"/>
+            <a:ext cx="1656184" cy="504056"/>
           </a:xfrm>
-          <a:prstGeom prst="ellipse">
+          <a:prstGeom prst="roundRect">
             <a:avLst/>
           </a:prstGeom>
+          <a:solidFill>
+            <a:schemeClr val="accent4">
+              <a:lumMod val="40000"/>
+              <a:lumOff val="60000"/>
+            </a:schemeClr>
+          </a:solidFill>
+          <a:ln>
+            <a:noFill/>
+          </a:ln>
         </p:spPr>
         <p:style>
           <a:lnRef idx="2">
@@ -4409,27 +4163,59 @@
           <a:p>
             <a:pPr algn="ctr"/>
             <a:r>
-              <a:rPr lang="en-US" altLang="ko-KR" smtClean="0"/>
-              <a:t>5</a:t>
-            </a:r>
-            <a:endParaRPr lang="ko-KR" altLang="en-US" dirty="0"/>
-          </a:p>
-        </p:txBody>
-      </p:sp>
-      <p:sp>
-        <p:nvSpPr>
-          <p:cNvPr id="27" name="폭발 1 26"/>
+              <a:rPr lang="ko-KR" altLang="en-US" sz="1400" b="1" dirty="0" smtClean="0">
+                <a:solidFill>
+                  <a:schemeClr val="tx1"/>
+                </a:solidFill>
+              </a:rPr>
+              <a:t>단어사전</a:t>
+            </a:r>
+            <a:r>
+              <a:rPr lang="en-US" altLang="ko-KR" sz="1400" b="1" dirty="0" smtClean="0">
+                <a:solidFill>
+                  <a:schemeClr val="tx1"/>
+                </a:solidFill>
+              </a:rPr>
+              <a:t>.</a:t>
+            </a:r>
+            <a:r>
+              <a:rPr lang="en-US" altLang="ko-KR" sz="1400" b="1" dirty="0" err="1" smtClean="0">
+                <a:solidFill>
+                  <a:schemeClr val="tx1"/>
+                </a:solidFill>
+              </a:rPr>
+              <a:t>xlsx</a:t>
+            </a:r>
+            <a:endParaRPr lang="ko-KR" altLang="en-US" sz="1400" b="1" dirty="0">
+              <a:solidFill>
+                <a:schemeClr val="tx1"/>
+              </a:solidFill>
+            </a:endParaRPr>
+          </a:p>
+        </p:txBody>
+      </p:sp>
+      <p:sp>
+        <p:nvSpPr>
+          <p:cNvPr id="23" name="직사각형 22"/>
           <p:cNvSpPr/>
           <p:nvPr/>
         </p:nvSpPr>
         <p:spPr>
           <a:xfrm>
-            <a:off x="7164288" y="2564904"/>
-            <a:ext cx="1800200" cy="1296144"/>
+            <a:off x="5076056" y="3356992"/>
+            <a:ext cx="3384376" cy="1152128"/>
           </a:xfrm>
-          <a:prstGeom prst="irregularSeal1">
+          <a:prstGeom prst="rect">
             <a:avLst/>
           </a:prstGeom>
+          <a:solidFill>
+            <a:schemeClr val="bg1">
+              <a:lumMod val="85000"/>
+            </a:schemeClr>
+          </a:solidFill>
+          <a:ln>
+            <a:noFill/>
+          </a:ln>
         </p:spPr>
         <p:style>
           <a:lnRef idx="2">
@@ -4453,10 +4239,551 @@
           <a:p>
             <a:pPr algn="ctr"/>
             <a:r>
-              <a:rPr lang="en-US" altLang="ko-KR" sz="1600" dirty="0" smtClean="0"/>
-              <a:t>Filtering </a:t>
-            </a:r>
-            <a:endParaRPr lang="ko-KR" altLang="en-US" sz="1600" dirty="0"/>
+              <a:rPr lang="en-US" altLang="ko-KR" sz="1600" b="1" dirty="0" smtClean="0">
+                <a:solidFill>
+                  <a:schemeClr val="tx1"/>
+                </a:solidFill>
+              </a:rPr>
+              <a:t>Merge</a:t>
+            </a:r>
+            <a:endParaRPr lang="en-US" altLang="ko-KR" sz="1600" b="1" dirty="0" smtClean="0">
+              <a:solidFill>
+                <a:schemeClr val="tx1"/>
+              </a:solidFill>
+            </a:endParaRPr>
+          </a:p>
+          <a:p>
+            <a:pPr algn="ctr"/>
+            <a:r>
+              <a:rPr lang="en-US" altLang="ko-KR" sz="1400" dirty="0" smtClean="0">
+                <a:solidFill>
+                  <a:schemeClr val="tx1"/>
+                </a:solidFill>
+              </a:rPr>
+              <a:t>Memory</a:t>
+            </a:r>
+            <a:r>
+              <a:rPr lang="ko-KR" altLang="en-US" sz="1400" dirty="0" smtClean="0">
+                <a:solidFill>
+                  <a:schemeClr val="tx1"/>
+                </a:solidFill>
+              </a:rPr>
+              <a:t>문제로 분할된 파일 결합</a:t>
+            </a:r>
+            <a:endParaRPr lang="en-US" altLang="ko-KR" sz="1400" dirty="0" smtClean="0">
+              <a:solidFill>
+                <a:schemeClr val="tx1"/>
+              </a:solidFill>
+            </a:endParaRPr>
+          </a:p>
+          <a:p>
+            <a:pPr algn="ctr"/>
+            <a:r>
+              <a:rPr lang="ko-KR" altLang="en-US" sz="1400" dirty="0" err="1" smtClean="0">
+                <a:solidFill>
+                  <a:schemeClr val="tx1"/>
+                </a:solidFill>
+              </a:rPr>
+              <a:t>검색어별로</a:t>
+            </a:r>
+            <a:r>
+              <a:rPr lang="ko-KR" altLang="en-US" sz="1400" dirty="0" smtClean="0">
+                <a:solidFill>
+                  <a:schemeClr val="tx1"/>
+                </a:solidFill>
+              </a:rPr>
+              <a:t> 상위 카테고리로 통합</a:t>
+            </a:r>
+            <a:endParaRPr lang="en-US" altLang="ko-KR" sz="1400" dirty="0" smtClean="0">
+              <a:solidFill>
+                <a:schemeClr val="tx1"/>
+              </a:solidFill>
+            </a:endParaRPr>
+          </a:p>
+          <a:p>
+            <a:pPr algn="ctr"/>
+            <a:r>
+              <a:rPr lang="en-US" altLang="ko-KR" sz="1400" dirty="0" smtClean="0">
+                <a:solidFill>
+                  <a:schemeClr val="tx1"/>
+                </a:solidFill>
+              </a:rPr>
+              <a:t>Return </a:t>
+            </a:r>
+            <a:r>
+              <a:rPr lang="en-US" altLang="ko-KR" sz="1400" dirty="0" smtClean="0">
+                <a:solidFill>
+                  <a:schemeClr val="tx1"/>
+                </a:solidFill>
+              </a:rPr>
+              <a:t>CSV</a:t>
+            </a:r>
+          </a:p>
+        </p:txBody>
+      </p:sp>
+      <p:sp>
+        <p:nvSpPr>
+          <p:cNvPr id="24" name="타원 23"/>
+          <p:cNvSpPr/>
+          <p:nvPr/>
+        </p:nvSpPr>
+        <p:spPr>
+          <a:xfrm>
+            <a:off x="4860032" y="3140968"/>
+            <a:ext cx="504056" cy="504056"/>
+          </a:xfrm>
+          <a:prstGeom prst="ellipse">
+            <a:avLst/>
+          </a:prstGeom>
+          <a:solidFill>
+            <a:schemeClr val="accent5">
+              <a:lumMod val="60000"/>
+              <a:lumOff val="40000"/>
+            </a:schemeClr>
+          </a:solidFill>
+          <a:ln>
+            <a:noFill/>
+          </a:ln>
+        </p:spPr>
+        <p:style>
+          <a:lnRef idx="2">
+            <a:schemeClr val="accent1">
+              <a:shade val="50000"/>
+            </a:schemeClr>
+          </a:lnRef>
+          <a:fillRef idx="1">
+            <a:schemeClr val="accent1"/>
+          </a:fillRef>
+          <a:effectRef idx="0">
+            <a:schemeClr val="accent1"/>
+          </a:effectRef>
+          <a:fontRef idx="minor">
+            <a:schemeClr val="lt1"/>
+          </a:fontRef>
+        </p:style>
+        <p:txBody>
+          <a:bodyPr rtlCol="0" anchor="ctr"/>
+          <a:lstStyle/>
+          <a:p>
+            <a:pPr algn="ctr"/>
+            <a:r>
+              <a:rPr lang="en-US" altLang="ko-KR" dirty="0" smtClean="0"/>
+              <a:t>4</a:t>
+            </a:r>
+            <a:endParaRPr lang="ko-KR" altLang="en-US" dirty="0"/>
+          </a:p>
+        </p:txBody>
+      </p:sp>
+      <p:grpSp>
+        <p:nvGrpSpPr>
+          <p:cNvPr id="37" name="그룹 36"/>
+          <p:cNvGrpSpPr/>
+          <p:nvPr/>
+        </p:nvGrpSpPr>
+        <p:grpSpPr>
+          <a:xfrm>
+            <a:off x="539552" y="5373216"/>
+            <a:ext cx="8064896" cy="1152128"/>
+            <a:chOff x="755576" y="5373216"/>
+            <a:chExt cx="8064896" cy="1152128"/>
+          </a:xfrm>
+        </p:grpSpPr>
+        <p:sp>
+          <p:nvSpPr>
+            <p:cNvPr id="25" name="직사각형 24"/>
+            <p:cNvSpPr/>
+            <p:nvPr/>
+          </p:nvSpPr>
+          <p:spPr>
+            <a:xfrm>
+              <a:off x="755576" y="5373216"/>
+              <a:ext cx="2232248" cy="1152128"/>
+            </a:xfrm>
+            <a:prstGeom prst="rect">
+              <a:avLst/>
+            </a:prstGeom>
+            <a:solidFill>
+              <a:schemeClr val="bg1">
+                <a:lumMod val="85000"/>
+              </a:schemeClr>
+            </a:solidFill>
+            <a:ln>
+              <a:noFill/>
+            </a:ln>
+          </p:spPr>
+          <p:style>
+            <a:lnRef idx="2">
+              <a:schemeClr val="accent1">
+                <a:shade val="50000"/>
+              </a:schemeClr>
+            </a:lnRef>
+            <a:fillRef idx="1">
+              <a:schemeClr val="accent1"/>
+            </a:fillRef>
+            <a:effectRef idx="0">
+              <a:schemeClr val="accent1"/>
+            </a:effectRef>
+            <a:fontRef idx="minor">
+              <a:schemeClr val="lt1"/>
+            </a:fontRef>
+          </p:style>
+          <p:txBody>
+            <a:bodyPr rtlCol="0" anchor="ctr"/>
+            <a:lstStyle/>
+            <a:p>
+              <a:pPr algn="ctr"/>
+              <a:r>
+                <a:rPr lang="en-US" altLang="ko-KR" sz="1600" b="1" dirty="0" err="1" smtClean="0">
+                  <a:solidFill>
+                    <a:schemeClr val="tx1"/>
+                  </a:solidFill>
+                </a:rPr>
+                <a:t>Wordcloud</a:t>
+              </a:r>
+              <a:endParaRPr lang="en-US" altLang="ko-KR" sz="1600" b="1" dirty="0" smtClean="0">
+                <a:solidFill>
+                  <a:schemeClr val="tx1"/>
+                </a:solidFill>
+              </a:endParaRPr>
+            </a:p>
+            <a:p>
+              <a:pPr algn="ctr"/>
+              <a:r>
+                <a:rPr lang="ko-KR" altLang="en-US" sz="1400" dirty="0" smtClean="0">
+                  <a:solidFill>
+                    <a:schemeClr val="tx1"/>
+                  </a:solidFill>
+                </a:rPr>
+                <a:t>각 키워드</a:t>
+              </a:r>
+              <a:r>
+                <a:rPr lang="en-US" altLang="ko-KR" sz="1400" dirty="0" smtClean="0">
+                  <a:solidFill>
+                    <a:schemeClr val="tx1"/>
+                  </a:solidFill>
+                </a:rPr>
+                <a:t>, </a:t>
+              </a:r>
+              <a:r>
+                <a:rPr lang="ko-KR" altLang="en-US" sz="1400" dirty="0" err="1" smtClean="0">
+                  <a:solidFill>
+                    <a:schemeClr val="tx1"/>
+                  </a:solidFill>
+                </a:rPr>
+                <a:t>년도별</a:t>
+              </a:r>
+              <a:endParaRPr lang="en-US" altLang="ko-KR" sz="1400" dirty="0" smtClean="0">
+                <a:solidFill>
+                  <a:schemeClr val="tx1"/>
+                </a:solidFill>
+              </a:endParaRPr>
+            </a:p>
+          </p:txBody>
+        </p:sp>
+        <p:sp>
+          <p:nvSpPr>
+            <p:cNvPr id="26" name="직사각형 25"/>
+            <p:cNvSpPr/>
+            <p:nvPr/>
+          </p:nvSpPr>
+          <p:spPr>
+            <a:xfrm>
+              <a:off x="3671900" y="5373216"/>
+              <a:ext cx="2232248" cy="1152128"/>
+            </a:xfrm>
+            <a:prstGeom prst="rect">
+              <a:avLst/>
+            </a:prstGeom>
+            <a:solidFill>
+              <a:schemeClr val="bg1">
+                <a:lumMod val="85000"/>
+              </a:schemeClr>
+            </a:solidFill>
+            <a:ln>
+              <a:noFill/>
+            </a:ln>
+          </p:spPr>
+          <p:style>
+            <a:lnRef idx="2">
+              <a:schemeClr val="accent1">
+                <a:shade val="50000"/>
+              </a:schemeClr>
+            </a:lnRef>
+            <a:fillRef idx="1">
+              <a:schemeClr val="accent1"/>
+            </a:fillRef>
+            <a:effectRef idx="0">
+              <a:schemeClr val="accent1"/>
+            </a:effectRef>
+            <a:fontRef idx="minor">
+              <a:schemeClr val="lt1"/>
+            </a:fontRef>
+          </p:style>
+          <p:txBody>
+            <a:bodyPr rtlCol="0" anchor="ctr"/>
+            <a:lstStyle/>
+            <a:p>
+              <a:pPr algn="ctr"/>
+              <a:r>
+                <a:rPr lang="en-US" altLang="ko-KR" sz="1600" b="1" dirty="0" smtClean="0">
+                  <a:solidFill>
+                    <a:schemeClr val="tx1"/>
+                  </a:solidFill>
+                </a:rPr>
+                <a:t>Network</a:t>
+              </a:r>
+              <a:r>
+                <a:rPr lang="ko-KR" altLang="en-US" sz="1600" b="1" dirty="0" smtClean="0">
+                  <a:solidFill>
+                    <a:schemeClr val="tx1"/>
+                  </a:solidFill>
+                </a:rPr>
+                <a:t>분석</a:t>
+              </a:r>
+              <a:endParaRPr lang="en-US" altLang="ko-KR" sz="1600" b="1" dirty="0" smtClean="0">
+                <a:solidFill>
+                  <a:schemeClr val="tx1"/>
+                </a:solidFill>
+              </a:endParaRPr>
+            </a:p>
+            <a:p>
+              <a:pPr algn="ctr"/>
+              <a:r>
+                <a:rPr lang="ko-KR" altLang="en-US" sz="1400" dirty="0" smtClean="0">
+                  <a:solidFill>
+                    <a:schemeClr val="tx1"/>
+                  </a:solidFill>
+                </a:rPr>
+                <a:t>각 키워드</a:t>
+              </a:r>
+              <a:r>
+                <a:rPr lang="en-US" altLang="ko-KR" sz="1400" dirty="0" smtClean="0">
+                  <a:solidFill>
+                    <a:schemeClr val="tx1"/>
+                  </a:solidFill>
+                </a:rPr>
+                <a:t>, </a:t>
+              </a:r>
+              <a:r>
+                <a:rPr lang="ko-KR" altLang="en-US" sz="1400" dirty="0" err="1" smtClean="0">
+                  <a:solidFill>
+                    <a:schemeClr val="tx1"/>
+                  </a:solidFill>
+                </a:rPr>
+                <a:t>년도별</a:t>
+              </a:r>
+              <a:endParaRPr lang="en-US" altLang="ko-KR" sz="1400" dirty="0" smtClean="0">
+                <a:solidFill>
+                  <a:schemeClr val="tx1"/>
+                </a:solidFill>
+              </a:endParaRPr>
+            </a:p>
+          </p:txBody>
+        </p:sp>
+        <p:sp>
+          <p:nvSpPr>
+            <p:cNvPr id="27" name="직사각형 26"/>
+            <p:cNvSpPr/>
+            <p:nvPr/>
+          </p:nvSpPr>
+          <p:spPr>
+            <a:xfrm>
+              <a:off x="6588224" y="5373216"/>
+              <a:ext cx="2232248" cy="1152128"/>
+            </a:xfrm>
+            <a:prstGeom prst="rect">
+              <a:avLst/>
+            </a:prstGeom>
+            <a:solidFill>
+              <a:schemeClr val="bg1">
+                <a:lumMod val="85000"/>
+              </a:schemeClr>
+            </a:solidFill>
+            <a:ln>
+              <a:noFill/>
+            </a:ln>
+          </p:spPr>
+          <p:style>
+            <a:lnRef idx="2">
+              <a:schemeClr val="accent1">
+                <a:shade val="50000"/>
+              </a:schemeClr>
+            </a:lnRef>
+            <a:fillRef idx="1">
+              <a:schemeClr val="accent1"/>
+            </a:fillRef>
+            <a:effectRef idx="0">
+              <a:schemeClr val="accent1"/>
+            </a:effectRef>
+            <a:fontRef idx="minor">
+              <a:schemeClr val="lt1"/>
+            </a:fontRef>
+          </p:style>
+          <p:txBody>
+            <a:bodyPr rtlCol="0" anchor="ctr"/>
+            <a:lstStyle/>
+            <a:p>
+              <a:pPr algn="ctr"/>
+              <a:r>
+                <a:rPr lang="ko-KR" altLang="en-US" sz="1600" b="1" dirty="0" err="1" smtClean="0">
+                  <a:solidFill>
+                    <a:schemeClr val="tx1"/>
+                  </a:solidFill>
+                </a:rPr>
+                <a:t>검색어변화추이</a:t>
+              </a:r>
+              <a:endParaRPr lang="en-US" altLang="ko-KR" sz="1600" b="1" dirty="0" smtClean="0">
+                <a:solidFill>
+                  <a:schemeClr val="tx1"/>
+                </a:solidFill>
+              </a:endParaRPr>
+            </a:p>
+            <a:p>
+              <a:pPr algn="ctr"/>
+              <a:r>
+                <a:rPr lang="ko-KR" altLang="en-US" sz="1400" dirty="0" smtClean="0">
+                  <a:solidFill>
+                    <a:schemeClr val="tx1"/>
+                  </a:solidFill>
+                </a:rPr>
+                <a:t>각 키워드</a:t>
+              </a:r>
+              <a:r>
+                <a:rPr lang="en-US" altLang="ko-KR" sz="1400" dirty="0" smtClean="0">
+                  <a:solidFill>
+                    <a:schemeClr val="tx1"/>
+                  </a:solidFill>
+                </a:rPr>
+                <a:t>, </a:t>
+              </a:r>
+              <a:r>
+                <a:rPr lang="ko-KR" altLang="en-US" sz="1400" dirty="0" err="1" smtClean="0">
+                  <a:solidFill>
+                    <a:schemeClr val="tx1"/>
+                  </a:solidFill>
+                </a:rPr>
+                <a:t>년도별</a:t>
+              </a:r>
+              <a:endParaRPr lang="en-US" altLang="ko-KR" sz="1400" dirty="0" smtClean="0">
+                <a:solidFill>
+                  <a:schemeClr val="tx1"/>
+                </a:solidFill>
+              </a:endParaRPr>
+            </a:p>
+          </p:txBody>
+        </p:sp>
+      </p:grpSp>
+      <p:sp>
+        <p:nvSpPr>
+          <p:cNvPr id="34" name="타원 33"/>
+          <p:cNvSpPr/>
+          <p:nvPr/>
+        </p:nvSpPr>
+        <p:spPr>
+          <a:xfrm>
+            <a:off x="107504" y="4941168"/>
+            <a:ext cx="504056" cy="504056"/>
+          </a:xfrm>
+          <a:prstGeom prst="ellipse">
+            <a:avLst/>
+          </a:prstGeom>
+          <a:solidFill>
+            <a:schemeClr val="accent5">
+              <a:lumMod val="60000"/>
+              <a:lumOff val="40000"/>
+            </a:schemeClr>
+          </a:solidFill>
+          <a:ln>
+            <a:noFill/>
+          </a:ln>
+        </p:spPr>
+        <p:style>
+          <a:lnRef idx="2">
+            <a:schemeClr val="accent1">
+              <a:shade val="50000"/>
+            </a:schemeClr>
+          </a:lnRef>
+          <a:fillRef idx="1">
+            <a:schemeClr val="accent1"/>
+          </a:fillRef>
+          <a:effectRef idx="0">
+            <a:schemeClr val="accent1"/>
+          </a:effectRef>
+          <a:fontRef idx="minor">
+            <a:schemeClr val="lt1"/>
+          </a:fontRef>
+        </p:style>
+        <p:txBody>
+          <a:bodyPr rtlCol="0" anchor="ctr"/>
+          <a:lstStyle/>
+          <a:p>
+            <a:pPr algn="ctr"/>
+            <a:r>
+              <a:rPr lang="en-US" altLang="ko-KR" dirty="0" smtClean="0"/>
+              <a:t>5</a:t>
+            </a:r>
+            <a:endParaRPr lang="ko-KR" altLang="en-US" dirty="0"/>
+          </a:p>
+        </p:txBody>
+      </p:sp>
+      <p:sp>
+        <p:nvSpPr>
+          <p:cNvPr id="38" name="모서리가 둥근 직사각형 37"/>
+          <p:cNvSpPr/>
+          <p:nvPr/>
+        </p:nvSpPr>
+        <p:spPr>
+          <a:xfrm>
+            <a:off x="7236296" y="4869160"/>
+            <a:ext cx="1656184" cy="504056"/>
+          </a:xfrm>
+          <a:prstGeom prst="roundRect">
+            <a:avLst/>
+          </a:prstGeom>
+          <a:solidFill>
+            <a:schemeClr val="accent4">
+              <a:lumMod val="40000"/>
+              <a:lumOff val="60000"/>
+            </a:schemeClr>
+          </a:solidFill>
+          <a:ln>
+            <a:noFill/>
+          </a:ln>
+        </p:spPr>
+        <p:style>
+          <a:lnRef idx="2">
+            <a:schemeClr val="accent1">
+              <a:shade val="50000"/>
+            </a:schemeClr>
+          </a:lnRef>
+          <a:fillRef idx="1">
+            <a:schemeClr val="accent1"/>
+          </a:fillRef>
+          <a:effectRef idx="0">
+            <a:schemeClr val="accent1"/>
+          </a:effectRef>
+          <a:fontRef idx="minor">
+            <a:schemeClr val="lt1"/>
+          </a:fontRef>
+        </p:style>
+        <p:txBody>
+          <a:bodyPr rtlCol="0" anchor="ctr"/>
+          <a:lstStyle/>
+          <a:p>
+            <a:pPr algn="ctr"/>
+            <a:r>
+              <a:rPr lang="en-US" altLang="ko-KR" sz="1400" b="1" dirty="0" err="1" smtClean="0">
+                <a:solidFill>
+                  <a:schemeClr val="tx1"/>
+                </a:solidFill>
+              </a:rPr>
+              <a:t>custom_sw.json</a:t>
+            </a:r>
+            <a:endParaRPr lang="ko-KR" altLang="en-US" sz="1400" b="1" dirty="0">
+              <a:solidFill>
+                <a:schemeClr val="tx1"/>
+              </a:solidFill>
+            </a:endParaRPr>
           </a:p>
         </p:txBody>
       </p:sp>
